--- a/重力パズル_説明書.pptx
+++ b/重力パズル_説明書.pptx
@@ -7,6 +7,9 @@
   <p:notesMasterIdLst>
     <p:notesMasterId r:id="rId8"/>
   </p:notesMasterIdLst>
+  <p:handoutMasterIdLst>
+    <p:handoutMasterId r:id="rId9"/>
+  </p:handoutMasterIdLst>
   <p:sldIdLst>
     <p:sldId id="258" r:id="rId2"/>
     <p:sldId id="256" r:id="rId3"/>
@@ -112,7 +115,180 @@
       </a:defRPr>
     </a:lvl9pPr>
   </p:defaultTextStyle>
+  <p:extLst>
+    <p:ext uri="{EFAFB233-063F-42B5-8137-9DF3F51BA10A}">
+      <p15:sldGuideLst xmlns:p15="http://schemas.microsoft.com/office/powerpoint/2012/main"/>
+    </p:ext>
+    <p:ext uri="{2D200454-40CA-4A62-9FC3-DE9A4176ACB9}">
+      <p15:notesGuideLst xmlns:p15="http://schemas.microsoft.com/office/powerpoint/2012/main"/>
+    </p:ext>
+  </p:extLst>
 </p:presentation>
+</file>
+
+<file path=ppt/handoutMasters/handoutMaster1.xml><?xml version="1.0" encoding="utf-8"?>
+<p:handoutMaster xmlns:a="http://schemas.openxmlformats.org/drawingml/2006/main" xmlns:r="http://schemas.openxmlformats.org/officeDocument/2006/relationships" xmlns:p="http://schemas.openxmlformats.org/presentationml/2006/main">
+  <p:cSld>
+    <p:bg>
+      <p:bgRef idx="1001">
+        <a:schemeClr val="bg1"/>
+      </p:bgRef>
+    </p:bg>
+    <p:spTree>
+      <p:nvGrpSpPr>
+        <p:cNvPr id="1" name=""/>
+        <p:cNvGrpSpPr/>
+        <p:nvPr/>
+      </p:nvGrpSpPr>
+      <p:grpSpPr>
+        <a:xfrm>
+          <a:off x="0" y="0"/>
+          <a:ext cx="0" cy="0"/>
+          <a:chOff x="0" y="0"/>
+          <a:chExt cx="0" cy="0"/>
+        </a:xfrm>
+      </p:grpSpPr>
+      <p:sp>
+        <p:nvSpPr>
+          <p:cNvPr id="2" name="ヘッダー プレースホルダー 1"/>
+          <p:cNvSpPr>
+            <a:spLocks noGrp="1"/>
+          </p:cNvSpPr>
+          <p:nvPr>
+            <p:ph type="hdr" sz="quarter"/>
+          </p:nvPr>
+        </p:nvSpPr>
+        <p:spPr>
+          <a:xfrm>
+            <a:off x="0" y="0"/>
+            <a:ext cx="2971800" cy="458788"/>
+          </a:xfrm>
+          <a:prstGeom prst="rect">
+            <a:avLst/>
+          </a:prstGeom>
+        </p:spPr>
+        <p:txBody>
+          <a:bodyPr vert="horz" lIns="91440" tIns="45720" rIns="91440" bIns="45720" rtlCol="0"/>
+          <a:lstStyle>
+            <a:lvl1pPr algn="l">
+              <a:defRPr sz="1200"/>
+            </a:lvl1pPr>
+          </a:lstStyle>
+          <a:p>
+            <a:endParaRPr kumimoji="1" lang="ja-JP" altLang="en-US"/>
+          </a:p>
+        </p:txBody>
+      </p:sp>
+      <p:sp>
+        <p:nvSpPr>
+          <p:cNvPr id="3" name="日付プレースホルダー 2"/>
+          <p:cNvSpPr>
+            <a:spLocks noGrp="1"/>
+          </p:cNvSpPr>
+          <p:nvPr>
+            <p:ph type="dt" sz="quarter" idx="1"/>
+          </p:nvPr>
+        </p:nvSpPr>
+        <p:spPr>
+          <a:xfrm>
+            <a:off x="3884613" y="0"/>
+            <a:ext cx="2971800" cy="458788"/>
+          </a:xfrm>
+          <a:prstGeom prst="rect">
+            <a:avLst/>
+          </a:prstGeom>
+        </p:spPr>
+        <p:txBody>
+          <a:bodyPr vert="horz" lIns="91440" tIns="45720" rIns="91440" bIns="45720" rtlCol="0"/>
+          <a:lstStyle>
+            <a:lvl1pPr algn="r">
+              <a:defRPr sz="1200"/>
+            </a:lvl1pPr>
+          </a:lstStyle>
+          <a:p>
+            <a:fld id="{25B597EF-D613-431B-AC23-E5579873F912}" type="datetimeFigureOut">
+              <a:rPr kumimoji="1" lang="ja-JP" altLang="en-US" smtClean="0"/>
+              <a:t>2025/7/10</a:t>
+            </a:fld>
+            <a:endParaRPr kumimoji="1" lang="ja-JP" altLang="en-US"/>
+          </a:p>
+        </p:txBody>
+      </p:sp>
+      <p:sp>
+        <p:nvSpPr>
+          <p:cNvPr id="4" name="フッター プレースホルダー 3"/>
+          <p:cNvSpPr>
+            <a:spLocks noGrp="1"/>
+          </p:cNvSpPr>
+          <p:nvPr>
+            <p:ph type="ftr" sz="quarter" idx="2"/>
+          </p:nvPr>
+        </p:nvSpPr>
+        <p:spPr>
+          <a:xfrm>
+            <a:off x="0" y="8685213"/>
+            <a:ext cx="2971800" cy="458787"/>
+          </a:xfrm>
+          <a:prstGeom prst="rect">
+            <a:avLst/>
+          </a:prstGeom>
+        </p:spPr>
+        <p:txBody>
+          <a:bodyPr vert="horz" lIns="91440" tIns="45720" rIns="91440" bIns="45720" rtlCol="0" anchor="b"/>
+          <a:lstStyle>
+            <a:lvl1pPr algn="l">
+              <a:defRPr sz="1200"/>
+            </a:lvl1pPr>
+          </a:lstStyle>
+          <a:p>
+            <a:endParaRPr kumimoji="1" lang="ja-JP" altLang="en-US"/>
+          </a:p>
+        </p:txBody>
+      </p:sp>
+      <p:sp>
+        <p:nvSpPr>
+          <p:cNvPr id="5" name="スライド番号プレースホルダー 4"/>
+          <p:cNvSpPr>
+            <a:spLocks noGrp="1"/>
+          </p:cNvSpPr>
+          <p:nvPr>
+            <p:ph type="sldNum" sz="quarter" idx="3"/>
+          </p:nvPr>
+        </p:nvSpPr>
+        <p:spPr>
+          <a:xfrm>
+            <a:off x="3884613" y="8685213"/>
+            <a:ext cx="2971800" cy="458787"/>
+          </a:xfrm>
+          <a:prstGeom prst="rect">
+            <a:avLst/>
+          </a:prstGeom>
+        </p:spPr>
+        <p:txBody>
+          <a:bodyPr vert="horz" lIns="91440" tIns="45720" rIns="91440" bIns="45720" rtlCol="0" anchor="b"/>
+          <a:lstStyle>
+            <a:lvl1pPr algn="r">
+              <a:defRPr sz="1200"/>
+            </a:lvl1pPr>
+          </a:lstStyle>
+          <a:p>
+            <a:fld id="{D5BDB8E8-3E06-4011-86D3-918B6D7E800E}" type="slidenum">
+              <a:rPr kumimoji="1" lang="ja-JP" altLang="en-US" smtClean="0"/>
+              <a:t>‹#›</a:t>
+            </a:fld>
+            <a:endParaRPr kumimoji="1" lang="ja-JP" altLang="en-US"/>
+          </a:p>
+        </p:txBody>
+      </p:sp>
+    </p:spTree>
+    <p:extLst>
+      <p:ext uri="{BB962C8B-B14F-4D97-AF65-F5344CB8AC3E}">
+        <p14:creationId xmlns:p14="http://schemas.microsoft.com/office/powerpoint/2010/main" val="2581068094"/>
+      </p:ext>
+    </p:extLst>
+  </p:cSld>
+  <p:clrMap bg1="lt1" tx1="dk1" bg2="lt2" tx2="dk2" accent1="accent1" accent2="accent2" accent3="accent3" accent4="accent4" accent5="accent5" accent6="accent6" hlink="hlink" folHlink="folHlink"/>
+</p:handoutMaster>
 </file>
 
 <file path=ppt/notesMasters/notesMaster1.xml><?xml version="1.0" encoding="utf-8"?>
@@ -197,7 +373,7 @@
           <a:p>
             <a:fld id="{6F7D483D-9EE1-49B1-92D1-7481893BADCE}" type="datetimeFigureOut">
               <a:rPr kumimoji="1" lang="ja-JP" altLang="en-US" smtClean="0"/>
-              <a:t>2025/7/9</a:t>
+              <a:t>2025/7/10</a:t>
             </a:fld>
             <a:endParaRPr kumimoji="1" lang="ja-JP" altLang="en-US"/>
           </a:p>
@@ -2637,7 +2813,7 @@
             <a:spLocks noGrp="1"/>
           </p:cNvSpPr>
           <p:nvPr>
-            <p:ph type="title"/>
+            <p:ph type="title" hasCustomPrompt="1"/>
           </p:nvPr>
         </p:nvSpPr>
         <p:spPr>
@@ -2646,7 +2822,9 @@
             <a:ext cx="12192000" cy="731520"/>
           </a:xfrm>
           <a:prstGeom prst="roundRect">
-            <a:avLst/>
+            <a:avLst>
+              <a:gd name="adj" fmla="val 0"/>
+            </a:avLst>
           </a:prstGeom>
           <a:solidFill>
             <a:srgbClr val="92D050"/>
@@ -2656,10 +2834,17 @@
           <a:bodyPr/>
           <a:lstStyle>
             <a:lvl1pPr>
-              <a:defRPr>
+              <a:defRPr b="0" baseline="0">
                 <a:solidFill>
                   <a:schemeClr val="bg1"/>
                 </a:solidFill>
+                <a:effectLst>
+                  <a:outerShdw blurRad="38100" dist="38100" dir="2700000" algn="tl">
+                    <a:srgbClr val="000000">
+                      <a:alpha val="43137"/>
+                    </a:srgbClr>
+                  </a:outerShdw>
+                </a:effectLst>
                 <a:latin typeface="HGSｺﾞｼｯｸM" panose="020B0600000000000000" pitchFamily="50" charset="-128"/>
                 <a:ea typeface="HGSｺﾞｼｯｸM" panose="020B0600000000000000" pitchFamily="50" charset="-128"/>
               </a:defRPr>
@@ -2668,7 +2853,7 @@
           <a:p>
             <a:r>
               <a:rPr kumimoji="1" lang="ja-JP" altLang="en-US" dirty="0" smtClean="0"/>
-              <a:t>マスター タイトルの書式設定</a:t>
+              <a:t> マスター タイトルの書式設定</a:t>
             </a:r>
             <a:endParaRPr kumimoji="1" lang="ja-JP" altLang="en-US" dirty="0"/>
           </a:p>
@@ -2686,30 +2871,38 @@
         </p:nvSpPr>
         <p:spPr>
           <a:xfrm>
-            <a:off x="11276215" y="299577"/>
+            <a:off x="11095263" y="359891"/>
             <a:ext cx="915785" cy="365125"/>
           </a:xfrm>
         </p:spPr>
         <p:txBody>
-          <a:bodyPr/>
+          <a:bodyPr vert="horz" lIns="91440" tIns="45720" rIns="91440" bIns="45720" rtlCol="0" anchor="ctr"/>
           <a:lstStyle>
-            <a:lvl1pPr algn="ctr">
-              <a:defRPr sz="2400">
+            <a:lvl1pPr>
+              <a:defRPr lang="ja-JP" altLang="en-US" sz="3600" smtClean="0">
                 <a:solidFill>
                   <a:schemeClr val="bg1"/>
                 </a:solidFill>
-                <a:latin typeface="HGSｺﾞｼｯｸM" panose="020B0600000000000000" pitchFamily="50" charset="-128"/>
+                <a:effectLst>
+                  <a:outerShdw blurRad="38100" dist="38100" dir="2700000" algn="tl">
+                    <a:srgbClr val="000000">
+                      <a:alpha val="43137"/>
+                    </a:srgbClr>
+                  </a:outerShdw>
+                </a:effectLst>
+                <a:latin typeface="Harlow Solid Italic" panose="04030604020F02020D02" pitchFamily="82" charset="0"/>
                 <a:ea typeface="HGSｺﾞｼｯｸM" panose="020B0600000000000000" pitchFamily="50" charset="-128"/>
               </a:defRPr>
             </a:lvl1pPr>
           </a:lstStyle>
           <a:p>
+            <a:pPr algn="ctr"/>
             <a:fld id="{8AB90D4B-AEAB-4145-A119-272ED37E3BBD}" type="slidenum">
-              <a:rPr lang="ja-JP" altLang="en-US" smtClean="0"/>
-              <a:pPr/>
+              <a:rPr lang="en-US" altLang="ja-JP" smtClean="0"/>
+              <a:pPr algn="ctr"/>
               <a:t>‹#›</a:t>
             </a:fld>
-            <a:endParaRPr lang="ja-JP" altLang="en-US" dirty="0"/>
+            <a:endParaRPr lang="en-US" dirty="0"/>
           </a:p>
         </p:txBody>
       </p:sp>
@@ -3766,13 +3959,13 @@
         <p:spPr/>
         <p:txBody>
           <a:bodyPr>
-            <a:normAutofit fontScale="90000"/>
+            <a:normAutofit/>
           </a:bodyPr>
           <a:lstStyle/>
           <a:p>
             <a:r>
               <a:rPr kumimoji="1" lang="ja-JP" altLang="en-US" dirty="0" smtClean="0"/>
-              <a:t>画像関係</a:t>
+              <a:t> 画像関係</a:t>
             </a:r>
             <a:r>
               <a:rPr kumimoji="1" lang="en-US" altLang="ja-JP" dirty="0" smtClean="0"/>
@@ -4621,7 +4814,7 @@
         <p:spPr/>
         <p:txBody>
           <a:bodyPr>
-            <a:normAutofit fontScale="90000"/>
+            <a:normAutofit/>
           </a:bodyPr>
           <a:lstStyle/>
           <a:p>
@@ -5560,7 +5753,7 @@
         <p:spPr/>
         <p:txBody>
           <a:bodyPr>
-            <a:normAutofit fontScale="90000"/>
+            <a:normAutofit/>
           </a:bodyPr>
           <a:lstStyle/>
           <a:p>
@@ -5872,7 +6065,7 @@
         </p:nvSpPr>
         <p:spPr>
           <a:xfrm>
-            <a:off x="7979029" y="2630178"/>
+            <a:off x="7979029" y="2407109"/>
             <a:ext cx="2406541" cy="475759"/>
           </a:xfrm>
           <a:prstGeom prst="leftArrow">
@@ -6576,8 +6769,8 @@
         </p:nvSpPr>
         <p:spPr>
           <a:xfrm>
-            <a:off x="8388916" y="2403405"/>
-            <a:ext cx="2170036" cy="287500"/>
+            <a:off x="8279393" y="2820756"/>
+            <a:ext cx="2118770" cy="287500"/>
           </a:xfrm>
           <a:prstGeom prst="roundRect">
             <a:avLst/>
@@ -6613,7 +6806,7 @@
           <a:p>
             <a:pPr algn="ctr"/>
             <a:r>
-              <a:rPr kumimoji="1" lang="en-US" altLang="ja-JP" sz="1400" dirty="0" smtClean="0">
+              <a:rPr kumimoji="1" lang="en-US" altLang="ja-JP" sz="1200" dirty="0" smtClean="0">
                 <a:solidFill>
                   <a:schemeClr val="tx1"/>
                 </a:solidFill>
@@ -6623,7 +6816,7 @@
               <a:t>※</a:t>
             </a:r>
             <a:r>
-              <a:rPr kumimoji="1" lang="ja-JP" altLang="en-US" sz="1400" dirty="0" smtClean="0">
+              <a:rPr kumimoji="1" lang="ja-JP" altLang="en-US" sz="1200" dirty="0" smtClean="0">
                 <a:solidFill>
                   <a:schemeClr val="tx1"/>
                 </a:solidFill>
@@ -6632,7 +6825,7 @@
               </a:rPr>
               <a:t>開閉の順番で入れます。</a:t>
             </a:r>
-            <a:endParaRPr kumimoji="1" lang="ja-JP" altLang="en-US" sz="1400" dirty="0">
+            <a:endParaRPr kumimoji="1" lang="ja-JP" altLang="en-US" sz="1200" dirty="0">
               <a:solidFill>
                 <a:schemeClr val="tx1"/>
               </a:solidFill>
@@ -6851,7 +7044,7 @@
         <p:spPr/>
         <p:txBody>
           <a:bodyPr>
-            <a:normAutofit fontScale="90000"/>
+            <a:normAutofit/>
           </a:bodyPr>
           <a:lstStyle/>
           <a:p>
@@ -7593,7 +7786,7 @@
         <p:spPr/>
         <p:txBody>
           <a:bodyPr>
-            <a:normAutofit fontScale="90000"/>
+            <a:normAutofit/>
           </a:bodyPr>
           <a:lstStyle/>
           <a:p>
@@ -8367,7 +8560,7 @@
         <p:spPr/>
         <p:txBody>
           <a:bodyPr>
-            <a:normAutofit fontScale="90000"/>
+            <a:normAutofit/>
           </a:bodyPr>
           <a:lstStyle/>
           <a:p>
@@ -8632,70 +8825,1227 @@
           </p:spPr>
         </p:pic>
       </p:grpSp>
+      <p:sp>
+        <p:nvSpPr>
+          <p:cNvPr id="28" name="角丸四角形 27"/>
+          <p:cNvSpPr/>
+          <p:nvPr/>
+        </p:nvSpPr>
+        <p:spPr>
+          <a:xfrm>
+            <a:off x="6860598" y="1178516"/>
+            <a:ext cx="5192993" cy="5539373"/>
+          </a:xfrm>
+          <a:prstGeom prst="roundRect">
+            <a:avLst/>
+          </a:prstGeom>
+          <a:solidFill>
+            <a:schemeClr val="accent6">
+              <a:lumMod val="20000"/>
+              <a:lumOff val="80000"/>
+            </a:schemeClr>
+          </a:solidFill>
+          <a:ln>
+            <a:solidFill>
+              <a:srgbClr val="92D050"/>
+            </a:solidFill>
+          </a:ln>
+        </p:spPr>
+        <p:style>
+          <a:lnRef idx="2">
+            <a:schemeClr val="accent1">
+              <a:shade val="50000"/>
+            </a:schemeClr>
+          </a:lnRef>
+          <a:fillRef idx="1">
+            <a:schemeClr val="accent1"/>
+          </a:fillRef>
+          <a:effectRef idx="0">
+            <a:schemeClr val="accent1"/>
+          </a:effectRef>
+          <a:fontRef idx="minor">
+            <a:schemeClr val="lt1"/>
+          </a:fontRef>
+        </p:style>
+        <p:txBody>
+          <a:bodyPr rtlCol="0" anchor="t"/>
+          <a:lstStyle/>
+          <a:p>
+            <a:r>
+              <a:rPr kumimoji="1" lang="en-US" altLang="ja-JP" sz="2800" dirty="0" smtClean="0">
+                <a:solidFill>
+                  <a:schemeClr val="tx1"/>
+                </a:solidFill>
+                <a:latin typeface="HGSｺﾞｼｯｸM" panose="020B0600000000000000" pitchFamily="50" charset="-128"/>
+                <a:ea typeface="HGSｺﾞｼｯｸM" panose="020B0600000000000000" pitchFamily="50" charset="-128"/>
+              </a:rPr>
+              <a:t>0	: </a:t>
+            </a:r>
+            <a:r>
+              <a:rPr kumimoji="1" lang="ja-JP" altLang="en-US" sz="2800" dirty="0" smtClean="0">
+                <a:solidFill>
+                  <a:schemeClr val="tx1"/>
+                </a:solidFill>
+                <a:latin typeface="HGSｺﾞｼｯｸM" panose="020B0600000000000000" pitchFamily="50" charset="-128"/>
+                <a:ea typeface="HGSｺﾞｼｯｸM" panose="020B0600000000000000" pitchFamily="50" charset="-128"/>
+              </a:rPr>
+              <a:t>空白</a:t>
+            </a:r>
+            <a:endParaRPr kumimoji="1" lang="en-US" altLang="ja-JP" sz="2800" dirty="0" smtClean="0">
+              <a:solidFill>
+                <a:schemeClr val="tx1"/>
+              </a:solidFill>
+              <a:latin typeface="HGSｺﾞｼｯｸM" panose="020B0600000000000000" pitchFamily="50" charset="-128"/>
+              <a:ea typeface="HGSｺﾞｼｯｸM" panose="020B0600000000000000" pitchFamily="50" charset="-128"/>
+            </a:endParaRPr>
+          </a:p>
+          <a:p>
+            <a:r>
+              <a:rPr lang="en-US" altLang="ja-JP" sz="2800" dirty="0" smtClean="0">
+                <a:solidFill>
+                  <a:schemeClr val="tx1"/>
+                </a:solidFill>
+                <a:latin typeface="HGSｺﾞｼｯｸM" panose="020B0600000000000000" pitchFamily="50" charset="-128"/>
+                <a:ea typeface="HGSｺﾞｼｯｸM" panose="020B0600000000000000" pitchFamily="50" charset="-128"/>
+              </a:rPr>
+              <a:t>1  	: </a:t>
+            </a:r>
+            <a:r>
+              <a:rPr lang="ja-JP" altLang="en-US" sz="2800" dirty="0" smtClean="0">
+                <a:solidFill>
+                  <a:schemeClr val="tx1"/>
+                </a:solidFill>
+                <a:latin typeface="HGSｺﾞｼｯｸM" panose="020B0600000000000000" pitchFamily="50" charset="-128"/>
+                <a:ea typeface="HGSｺﾞｼｯｸM" panose="020B0600000000000000" pitchFamily="50" charset="-128"/>
+              </a:rPr>
+              <a:t>プレイヤー</a:t>
+            </a:r>
+            <a:r>
+              <a:rPr lang="en-US" altLang="ja-JP" sz="2800" dirty="0" smtClean="0">
+                <a:solidFill>
+                  <a:schemeClr val="tx1"/>
+                </a:solidFill>
+                <a:latin typeface="HGSｺﾞｼｯｸM" panose="020B0600000000000000" pitchFamily="50" charset="-128"/>
+                <a:ea typeface="HGSｺﾞｼｯｸM" panose="020B0600000000000000" pitchFamily="50" charset="-128"/>
+              </a:rPr>
+              <a:t>  </a:t>
+            </a:r>
+          </a:p>
+          <a:p>
+            <a:r>
+              <a:rPr kumimoji="1" lang="en-US" altLang="ja-JP" sz="2800" dirty="0" smtClean="0">
+                <a:solidFill>
+                  <a:schemeClr val="tx1"/>
+                </a:solidFill>
+                <a:latin typeface="HGSｺﾞｼｯｸM" panose="020B0600000000000000" pitchFamily="50" charset="-128"/>
+                <a:ea typeface="HGSｺﾞｼｯｸM" panose="020B0600000000000000" pitchFamily="50" charset="-128"/>
+              </a:rPr>
+              <a:t>2  	: </a:t>
+            </a:r>
+            <a:r>
+              <a:rPr kumimoji="1" lang="ja-JP" altLang="en-US" sz="2800" dirty="0" smtClean="0">
+                <a:solidFill>
+                  <a:schemeClr val="tx1"/>
+                </a:solidFill>
+                <a:latin typeface="HGSｺﾞｼｯｸM" panose="020B0600000000000000" pitchFamily="50" charset="-128"/>
+                <a:ea typeface="HGSｺﾞｼｯｸM" panose="020B0600000000000000" pitchFamily="50" charset="-128"/>
+              </a:rPr>
+              <a:t>風船</a:t>
+            </a:r>
+            <a:endParaRPr kumimoji="1" lang="en-US" altLang="ja-JP" sz="2800" dirty="0" smtClean="0">
+              <a:solidFill>
+                <a:schemeClr val="tx1"/>
+              </a:solidFill>
+              <a:latin typeface="HGSｺﾞｼｯｸM" panose="020B0600000000000000" pitchFamily="50" charset="-128"/>
+              <a:ea typeface="HGSｺﾞｼｯｸM" panose="020B0600000000000000" pitchFamily="50" charset="-128"/>
+            </a:endParaRPr>
+          </a:p>
+          <a:p>
+            <a:r>
+              <a:rPr lang="en-US" altLang="ja-JP" sz="2800" dirty="0" smtClean="0">
+                <a:solidFill>
+                  <a:schemeClr val="tx1"/>
+                </a:solidFill>
+                <a:latin typeface="HGSｺﾞｼｯｸM" panose="020B0600000000000000" pitchFamily="50" charset="-128"/>
+                <a:ea typeface="HGSｺﾞｼｯｸM" panose="020B0600000000000000" pitchFamily="50" charset="-128"/>
+              </a:rPr>
+              <a:t>3  	: </a:t>
+            </a:r>
+            <a:r>
+              <a:rPr lang="ja-JP" altLang="en-US" sz="2800" dirty="0" smtClean="0">
+                <a:solidFill>
+                  <a:schemeClr val="tx1"/>
+                </a:solidFill>
+                <a:latin typeface="HGSｺﾞｼｯｸM" panose="020B0600000000000000" pitchFamily="50" charset="-128"/>
+                <a:ea typeface="HGSｺﾞｼｯｸM" panose="020B0600000000000000" pitchFamily="50" charset="-128"/>
+              </a:rPr>
+              <a:t>ブロック</a:t>
+            </a:r>
+            <a:endParaRPr lang="en-US" altLang="ja-JP" sz="2800" dirty="0" smtClean="0">
+              <a:solidFill>
+                <a:schemeClr val="tx1"/>
+              </a:solidFill>
+              <a:latin typeface="HGSｺﾞｼｯｸM" panose="020B0600000000000000" pitchFamily="50" charset="-128"/>
+              <a:ea typeface="HGSｺﾞｼｯｸM" panose="020B0600000000000000" pitchFamily="50" charset="-128"/>
+            </a:endParaRPr>
+          </a:p>
+          <a:p>
+            <a:r>
+              <a:rPr kumimoji="1" lang="en-US" altLang="ja-JP" sz="2800" dirty="0" smtClean="0">
+                <a:solidFill>
+                  <a:schemeClr val="tx1"/>
+                </a:solidFill>
+                <a:latin typeface="HGSｺﾞｼｯｸM" panose="020B0600000000000000" pitchFamily="50" charset="-128"/>
+                <a:ea typeface="HGSｺﾞｼｯｸM" panose="020B0600000000000000" pitchFamily="50" charset="-128"/>
+              </a:rPr>
+              <a:t>4  	: </a:t>
+            </a:r>
+            <a:r>
+              <a:rPr kumimoji="1" lang="ja-JP" altLang="en-US" sz="2800" dirty="0" smtClean="0">
+                <a:solidFill>
+                  <a:schemeClr val="tx1"/>
+                </a:solidFill>
+                <a:latin typeface="HGSｺﾞｼｯｸM" panose="020B0600000000000000" pitchFamily="50" charset="-128"/>
+                <a:ea typeface="HGSｺﾞｼｯｸM" panose="020B0600000000000000" pitchFamily="50" charset="-128"/>
+              </a:rPr>
+              <a:t>ドア</a:t>
+            </a:r>
+            <a:endParaRPr kumimoji="1" lang="en-US" altLang="ja-JP" sz="2800" dirty="0" smtClean="0">
+              <a:solidFill>
+                <a:schemeClr val="tx1"/>
+              </a:solidFill>
+              <a:latin typeface="HGSｺﾞｼｯｸM" panose="020B0600000000000000" pitchFamily="50" charset="-128"/>
+              <a:ea typeface="HGSｺﾞｼｯｸM" panose="020B0600000000000000" pitchFamily="50" charset="-128"/>
+            </a:endParaRPr>
+          </a:p>
+          <a:p>
+            <a:r>
+              <a:rPr lang="en-US" altLang="ja-JP" sz="2800" dirty="0" smtClean="0">
+                <a:solidFill>
+                  <a:schemeClr val="tx1"/>
+                </a:solidFill>
+                <a:latin typeface="HGSｺﾞｼｯｸM" panose="020B0600000000000000" pitchFamily="50" charset="-128"/>
+                <a:ea typeface="HGSｺﾞｼｯｸM" panose="020B0600000000000000" pitchFamily="50" charset="-128"/>
+              </a:rPr>
+              <a:t>5  	: </a:t>
+            </a:r>
+            <a:r>
+              <a:rPr lang="ja-JP" altLang="en-US" sz="2800" dirty="0" smtClean="0">
+                <a:solidFill>
+                  <a:schemeClr val="tx1"/>
+                </a:solidFill>
+                <a:latin typeface="HGSｺﾞｼｯｸM" panose="020B0600000000000000" pitchFamily="50" charset="-128"/>
+                <a:ea typeface="HGSｺﾞｼｯｸM" panose="020B0600000000000000" pitchFamily="50" charset="-128"/>
+              </a:rPr>
+              <a:t>箱</a:t>
+            </a:r>
+            <a:endParaRPr lang="en-US" altLang="ja-JP" sz="2800" dirty="0" smtClean="0">
+              <a:solidFill>
+                <a:schemeClr val="tx1"/>
+              </a:solidFill>
+              <a:latin typeface="HGSｺﾞｼｯｸM" panose="020B0600000000000000" pitchFamily="50" charset="-128"/>
+              <a:ea typeface="HGSｺﾞｼｯｸM" panose="020B0600000000000000" pitchFamily="50" charset="-128"/>
+            </a:endParaRPr>
+          </a:p>
+          <a:p>
+            <a:r>
+              <a:rPr kumimoji="1" lang="en-US" altLang="ja-JP" sz="2800" dirty="0" smtClean="0">
+                <a:solidFill>
+                  <a:schemeClr val="tx1"/>
+                </a:solidFill>
+                <a:latin typeface="HGSｺﾞｼｯｸM" panose="020B0600000000000000" pitchFamily="50" charset="-128"/>
+                <a:ea typeface="HGSｺﾞｼｯｸM" panose="020B0600000000000000" pitchFamily="50" charset="-128"/>
+              </a:rPr>
+              <a:t>6  	: </a:t>
+            </a:r>
+            <a:r>
+              <a:rPr kumimoji="1" lang="ja-JP" altLang="en-US" sz="2800" dirty="0" smtClean="0">
+                <a:solidFill>
+                  <a:schemeClr val="tx1"/>
+                </a:solidFill>
+                <a:latin typeface="HGSｺﾞｼｯｸM" panose="020B0600000000000000" pitchFamily="50" charset="-128"/>
+                <a:ea typeface="HGSｺﾞｼｯｸM" panose="020B0600000000000000" pitchFamily="50" charset="-128"/>
+              </a:rPr>
+              <a:t>トゲボール</a:t>
+            </a:r>
+            <a:endParaRPr kumimoji="1" lang="en-US" altLang="ja-JP" sz="2800" dirty="0" smtClean="0">
+              <a:solidFill>
+                <a:schemeClr val="tx1"/>
+              </a:solidFill>
+              <a:latin typeface="HGSｺﾞｼｯｸM" panose="020B0600000000000000" pitchFamily="50" charset="-128"/>
+              <a:ea typeface="HGSｺﾞｼｯｸM" panose="020B0600000000000000" pitchFamily="50" charset="-128"/>
+            </a:endParaRPr>
+          </a:p>
+          <a:p>
+            <a:r>
+              <a:rPr lang="en-US" altLang="ja-JP" sz="2800" dirty="0" smtClean="0">
+                <a:solidFill>
+                  <a:schemeClr val="tx1"/>
+                </a:solidFill>
+                <a:latin typeface="HGSｺﾞｼｯｸM" panose="020B0600000000000000" pitchFamily="50" charset="-128"/>
+                <a:ea typeface="HGSｺﾞｼｯｸM" panose="020B0600000000000000" pitchFamily="50" charset="-128"/>
+              </a:rPr>
+              <a:t>7  </a:t>
+            </a:r>
+            <a:r>
+              <a:rPr lang="en-US" altLang="ja-JP" sz="2800" dirty="0" smtClean="0">
+                <a:solidFill>
+                  <a:schemeClr val="tx1"/>
+                </a:solidFill>
+                <a:latin typeface="HGSｺﾞｼｯｸM" panose="020B0600000000000000" pitchFamily="50" charset="-128"/>
+                <a:ea typeface="HGSｺﾞｼｯｸM" panose="020B0600000000000000" pitchFamily="50" charset="-128"/>
+              </a:rPr>
+              <a:t>	: </a:t>
+            </a:r>
+            <a:r>
+              <a:rPr lang="ja-JP" altLang="en-US" sz="2800" dirty="0" smtClean="0">
+                <a:solidFill>
+                  <a:schemeClr val="tx1"/>
+                </a:solidFill>
+                <a:latin typeface="HGSｺﾞｼｯｸM" panose="020B0600000000000000" pitchFamily="50" charset="-128"/>
+                <a:ea typeface="HGSｺﾞｼｯｸM" panose="020B0600000000000000" pitchFamily="50" charset="-128"/>
+              </a:rPr>
+              <a:t>右向きのトゲ</a:t>
+            </a:r>
+            <a:endParaRPr lang="en-US" altLang="ja-JP" sz="2800" dirty="0" smtClean="0">
+              <a:solidFill>
+                <a:schemeClr val="tx1"/>
+              </a:solidFill>
+              <a:latin typeface="HGSｺﾞｼｯｸM" panose="020B0600000000000000" pitchFamily="50" charset="-128"/>
+              <a:ea typeface="HGSｺﾞｼｯｸM" panose="020B0600000000000000" pitchFamily="50" charset="-128"/>
+            </a:endParaRPr>
+          </a:p>
+          <a:p>
+            <a:r>
+              <a:rPr kumimoji="1" lang="en-US" altLang="ja-JP" sz="2800" dirty="0" smtClean="0">
+                <a:solidFill>
+                  <a:schemeClr val="tx1"/>
+                </a:solidFill>
+                <a:latin typeface="HGSｺﾞｼｯｸM" panose="020B0600000000000000" pitchFamily="50" charset="-128"/>
+                <a:ea typeface="HGSｺﾞｼｯｸM" panose="020B0600000000000000" pitchFamily="50" charset="-128"/>
+              </a:rPr>
+              <a:t>8  </a:t>
+            </a:r>
+            <a:r>
+              <a:rPr kumimoji="1" lang="en-US" altLang="ja-JP" sz="2800" dirty="0" smtClean="0">
+                <a:solidFill>
+                  <a:schemeClr val="tx1"/>
+                </a:solidFill>
+                <a:latin typeface="HGSｺﾞｼｯｸM" panose="020B0600000000000000" pitchFamily="50" charset="-128"/>
+                <a:ea typeface="HGSｺﾞｼｯｸM" panose="020B0600000000000000" pitchFamily="50" charset="-128"/>
+              </a:rPr>
+              <a:t>	: </a:t>
+            </a:r>
+            <a:r>
+              <a:rPr kumimoji="1" lang="ja-JP" altLang="en-US" sz="2800" dirty="0" smtClean="0">
+                <a:solidFill>
+                  <a:schemeClr val="tx1"/>
+                </a:solidFill>
+                <a:latin typeface="HGSｺﾞｼｯｸM" panose="020B0600000000000000" pitchFamily="50" charset="-128"/>
+                <a:ea typeface="HGSｺﾞｼｯｸM" panose="020B0600000000000000" pitchFamily="50" charset="-128"/>
+              </a:rPr>
+              <a:t>左向きのトゲ</a:t>
+            </a:r>
+            <a:endParaRPr kumimoji="1" lang="en-US" altLang="ja-JP" sz="2800" dirty="0" smtClean="0">
+              <a:solidFill>
+                <a:schemeClr val="tx1"/>
+              </a:solidFill>
+              <a:latin typeface="HGSｺﾞｼｯｸM" panose="020B0600000000000000" pitchFamily="50" charset="-128"/>
+              <a:ea typeface="HGSｺﾞｼｯｸM" panose="020B0600000000000000" pitchFamily="50" charset="-128"/>
+            </a:endParaRPr>
+          </a:p>
+          <a:p>
+            <a:r>
+              <a:rPr lang="en-US" altLang="ja-JP" sz="2800" dirty="0" smtClean="0">
+                <a:solidFill>
+                  <a:schemeClr val="tx1"/>
+                </a:solidFill>
+                <a:latin typeface="HGSｺﾞｼｯｸM" panose="020B0600000000000000" pitchFamily="50" charset="-128"/>
+                <a:ea typeface="HGSｺﾞｼｯｸM" panose="020B0600000000000000" pitchFamily="50" charset="-128"/>
+              </a:rPr>
+              <a:t>9  </a:t>
+            </a:r>
+            <a:r>
+              <a:rPr lang="en-US" altLang="ja-JP" sz="2800" dirty="0" smtClean="0">
+                <a:solidFill>
+                  <a:schemeClr val="tx1"/>
+                </a:solidFill>
+                <a:latin typeface="HGSｺﾞｼｯｸM" panose="020B0600000000000000" pitchFamily="50" charset="-128"/>
+                <a:ea typeface="HGSｺﾞｼｯｸM" panose="020B0600000000000000" pitchFamily="50" charset="-128"/>
+              </a:rPr>
+              <a:t>	: </a:t>
+            </a:r>
+            <a:r>
+              <a:rPr lang="ja-JP" altLang="en-US" sz="2800" dirty="0" smtClean="0">
+                <a:solidFill>
+                  <a:schemeClr val="tx1"/>
+                </a:solidFill>
+                <a:latin typeface="HGSｺﾞｼｯｸM" panose="020B0600000000000000" pitchFamily="50" charset="-128"/>
+                <a:ea typeface="HGSｺﾞｼｯｸM" panose="020B0600000000000000" pitchFamily="50" charset="-128"/>
+              </a:rPr>
+              <a:t>上向きのトゲ</a:t>
+            </a:r>
+            <a:endParaRPr lang="en-US" altLang="ja-JP" sz="2800" dirty="0" smtClean="0">
+              <a:solidFill>
+                <a:schemeClr val="tx1"/>
+              </a:solidFill>
+              <a:latin typeface="HGSｺﾞｼｯｸM" panose="020B0600000000000000" pitchFamily="50" charset="-128"/>
+              <a:ea typeface="HGSｺﾞｼｯｸM" panose="020B0600000000000000" pitchFamily="50" charset="-128"/>
+            </a:endParaRPr>
+          </a:p>
+          <a:p>
+            <a:r>
+              <a:rPr lang="en-US" altLang="ja-JP" sz="2800" dirty="0" smtClean="0">
+                <a:solidFill>
+                  <a:schemeClr val="tx1"/>
+                </a:solidFill>
+                <a:latin typeface="HGSｺﾞｼｯｸM" panose="020B0600000000000000" pitchFamily="50" charset="-128"/>
+                <a:ea typeface="HGSｺﾞｼｯｸM" panose="020B0600000000000000" pitchFamily="50" charset="-128"/>
+              </a:rPr>
+              <a:t>10 	: </a:t>
+            </a:r>
+            <a:r>
+              <a:rPr lang="ja-JP" altLang="en-US" sz="2800" dirty="0" smtClean="0">
+                <a:solidFill>
+                  <a:schemeClr val="tx1"/>
+                </a:solidFill>
+                <a:latin typeface="HGSｺﾞｼｯｸM" panose="020B0600000000000000" pitchFamily="50" charset="-128"/>
+                <a:ea typeface="HGSｺﾞｼｯｸM" panose="020B0600000000000000" pitchFamily="50" charset="-128"/>
+              </a:rPr>
+              <a:t>下向きのトゲ</a:t>
+            </a:r>
+            <a:endParaRPr lang="en-US" altLang="ja-JP" sz="2800" dirty="0" smtClean="0">
+              <a:solidFill>
+                <a:schemeClr val="tx1"/>
+              </a:solidFill>
+              <a:latin typeface="HGSｺﾞｼｯｸM" panose="020B0600000000000000" pitchFamily="50" charset="-128"/>
+              <a:ea typeface="HGSｺﾞｼｯｸM" panose="020B0600000000000000" pitchFamily="50" charset="-128"/>
+            </a:endParaRPr>
+          </a:p>
+        </p:txBody>
+      </p:sp>
       <p:pic>
         <p:nvPicPr>
-          <p:cNvPr id="16" name="図 15"/>
+          <p:cNvPr id="39" name="図 38"/>
           <p:cNvPicPr>
             <a:picLocks noChangeAspect="1"/>
           </p:cNvPicPr>
           <p:nvPr/>
         </p:nvPicPr>
         <p:blipFill>
-          <a:blip r:embed="rId3"/>
+          <a:blip r:embed="rId3" cstate="print">
+            <a:extLst>
+              <a:ext uri="{28A0092B-C50C-407E-A947-70E740481C1C}">
+                <a14:useLocalDpi xmlns:a14="http://schemas.microsoft.com/office/drawing/2010/main" val="0"/>
+              </a:ext>
+            </a:extLst>
+          </a:blip>
           <a:stretch>
             <a:fillRect/>
           </a:stretch>
         </p:blipFill>
         <p:spPr>
           <a:xfrm>
-            <a:off x="284531" y="2976089"/>
-            <a:ext cx="1463002" cy="3743325"/>
+            <a:off x="10755219" y="5923392"/>
+            <a:ext cx="345630" cy="65834"/>
           </a:xfrm>
           <a:prstGeom prst="rect">
             <a:avLst/>
           </a:prstGeom>
-          <a:ln w="28575">
+          <a:solidFill>
+            <a:schemeClr val="accent6">
+              <a:lumMod val="20000"/>
+              <a:lumOff val="80000"/>
+            </a:schemeClr>
+          </a:solidFill>
+        </p:spPr>
+      </p:pic>
+      <p:pic>
+        <p:nvPicPr>
+          <p:cNvPr id="40" name="図 39"/>
+          <p:cNvPicPr>
+            <a:picLocks noChangeAspect="1"/>
+          </p:cNvPicPr>
+          <p:nvPr/>
+        </p:nvPicPr>
+        <p:blipFill>
+          <a:blip r:embed="rId4" cstate="print">
+            <a:extLst>
+              <a:ext uri="{28A0092B-C50C-407E-A947-70E740481C1C}">
+                <a14:useLocalDpi xmlns:a14="http://schemas.microsoft.com/office/drawing/2010/main" val="0"/>
+              </a:ext>
+            </a:extLst>
+          </a:blip>
+          <a:stretch>
+            <a:fillRect/>
+          </a:stretch>
+        </p:blipFill>
+        <p:spPr>
+          <a:xfrm>
+            <a:off x="10814882" y="2362208"/>
+            <a:ext cx="226305" cy="456725"/>
+          </a:xfrm>
+          <a:prstGeom prst="rect">
+            <a:avLst/>
+          </a:prstGeom>
+          <a:solidFill>
+            <a:schemeClr val="accent6">
+              <a:lumMod val="20000"/>
+              <a:lumOff val="80000"/>
+            </a:schemeClr>
+          </a:solidFill>
+        </p:spPr>
+      </p:pic>
+      <p:pic>
+        <p:nvPicPr>
+          <p:cNvPr id="41" name="図 40"/>
+          <p:cNvPicPr>
+            <a:picLocks noChangeAspect="1"/>
+          </p:cNvPicPr>
+          <p:nvPr/>
+        </p:nvPicPr>
+        <p:blipFill>
+          <a:blip r:embed="rId5" cstate="print">
+            <a:extLst>
+              <a:ext uri="{28A0092B-C50C-407E-A947-70E740481C1C}">
+                <a14:useLocalDpi xmlns:a14="http://schemas.microsoft.com/office/drawing/2010/main" val="0"/>
+              </a:ext>
+            </a:extLst>
+          </a:blip>
+          <a:stretch>
+            <a:fillRect/>
+          </a:stretch>
+        </p:blipFill>
+        <p:spPr>
+          <a:xfrm>
+            <a:off x="10736704" y="3659269"/>
+            <a:ext cx="382661" cy="382661"/>
+          </a:xfrm>
+          <a:prstGeom prst="rect">
+            <a:avLst/>
+          </a:prstGeom>
+          <a:solidFill>
+            <a:schemeClr val="accent6">
+              <a:lumMod val="20000"/>
+              <a:lumOff val="80000"/>
+            </a:schemeClr>
+          </a:solidFill>
+        </p:spPr>
+      </p:pic>
+      <p:pic>
+        <p:nvPicPr>
+          <p:cNvPr id="42" name="図 41"/>
+          <p:cNvPicPr>
+            <a:picLocks noChangeAspect="1"/>
+          </p:cNvPicPr>
+          <p:nvPr/>
+        </p:nvPicPr>
+        <p:blipFill>
+          <a:blip r:embed="rId6" cstate="print">
+            <a:extLst>
+              <a:ext uri="{28A0092B-C50C-407E-A947-70E740481C1C}">
+                <a14:useLocalDpi xmlns:a14="http://schemas.microsoft.com/office/drawing/2010/main" val="0"/>
+              </a:ext>
+            </a:extLst>
+          </a:blip>
+          <a:stretch>
+            <a:fillRect/>
+          </a:stretch>
+        </p:blipFill>
+        <p:spPr>
+          <a:xfrm>
+            <a:off x="10788137" y="1876291"/>
+            <a:ext cx="279795" cy="452610"/>
+          </a:xfrm>
+          <a:prstGeom prst="rect">
+            <a:avLst/>
+          </a:prstGeom>
+          <a:solidFill>
+            <a:schemeClr val="accent6">
+              <a:lumMod val="20000"/>
+              <a:lumOff val="80000"/>
+            </a:schemeClr>
+          </a:solidFill>
+        </p:spPr>
+      </p:pic>
+      <p:pic>
+        <p:nvPicPr>
+          <p:cNvPr id="43" name="図 42"/>
+          <p:cNvPicPr>
+            <a:picLocks noChangeAspect="1"/>
+          </p:cNvPicPr>
+          <p:nvPr/>
+        </p:nvPicPr>
+        <p:blipFill>
+          <a:blip r:embed="rId7" cstate="print">
+            <a:extLst>
+              <a:ext uri="{28A0092B-C50C-407E-A947-70E740481C1C}">
+                <a14:useLocalDpi xmlns:a14="http://schemas.microsoft.com/office/drawing/2010/main" val="0"/>
+              </a:ext>
+            </a:extLst>
+          </a:blip>
+          <a:stretch>
+            <a:fillRect/>
+          </a:stretch>
+        </p:blipFill>
+        <p:spPr>
+          <a:xfrm>
+            <a:off x="10773735" y="3270728"/>
+            <a:ext cx="308598" cy="333286"/>
+          </a:xfrm>
+          <a:prstGeom prst="rect">
+            <a:avLst/>
+          </a:prstGeom>
+          <a:solidFill>
+            <a:schemeClr val="accent6">
+              <a:lumMod val="20000"/>
+              <a:lumOff val="80000"/>
+            </a:schemeClr>
+          </a:solidFill>
+        </p:spPr>
+      </p:pic>
+      <p:pic>
+        <p:nvPicPr>
+          <p:cNvPr id="44" name="図 43"/>
+          <p:cNvPicPr>
+            <a:picLocks noChangeAspect="1"/>
+          </p:cNvPicPr>
+          <p:nvPr/>
+        </p:nvPicPr>
+        <p:blipFill>
+          <a:blip r:embed="rId8" cstate="print">
+            <a:extLst>
+              <a:ext uri="{28A0092B-C50C-407E-A947-70E740481C1C}">
+                <a14:useLocalDpi xmlns:a14="http://schemas.microsoft.com/office/drawing/2010/main" val="0"/>
+              </a:ext>
+            </a:extLst>
+          </a:blip>
+          <a:stretch>
+            <a:fillRect/>
+          </a:stretch>
+        </p:blipFill>
+        <p:spPr>
+          <a:xfrm>
+            <a:off x="10736704" y="4081463"/>
+            <a:ext cx="382661" cy="382661"/>
+          </a:xfrm>
+          <a:prstGeom prst="rect">
+            <a:avLst/>
+          </a:prstGeom>
+          <a:solidFill>
+            <a:schemeClr val="accent6">
+              <a:lumMod val="20000"/>
+              <a:lumOff val="80000"/>
+            </a:schemeClr>
+          </a:solidFill>
+        </p:spPr>
+      </p:pic>
+      <p:pic>
+        <p:nvPicPr>
+          <p:cNvPr id="45" name="図 44"/>
+          <p:cNvPicPr>
+            <a:picLocks noChangeAspect="1"/>
+          </p:cNvPicPr>
+          <p:nvPr/>
+        </p:nvPicPr>
+        <p:blipFill>
+          <a:blip r:embed="rId9" cstate="print">
+            <a:extLst>
+              <a:ext uri="{28A0092B-C50C-407E-A947-70E740481C1C}">
+                <a14:useLocalDpi xmlns:a14="http://schemas.microsoft.com/office/drawing/2010/main" val="0"/>
+              </a:ext>
+            </a:extLst>
+          </a:blip>
+          <a:stretch>
+            <a:fillRect/>
+          </a:stretch>
+        </p:blipFill>
+        <p:spPr>
+          <a:xfrm>
+            <a:off x="10773735" y="5538983"/>
+            <a:ext cx="345630" cy="65834"/>
+          </a:xfrm>
+          <a:prstGeom prst="rect">
+            <a:avLst/>
+          </a:prstGeom>
+          <a:solidFill>
+            <a:schemeClr val="accent6">
+              <a:lumMod val="20000"/>
+              <a:lumOff val="80000"/>
+            </a:schemeClr>
+          </a:solidFill>
+        </p:spPr>
+      </p:pic>
+      <p:pic>
+        <p:nvPicPr>
+          <p:cNvPr id="46" name="図 45"/>
+          <p:cNvPicPr>
+            <a:picLocks noChangeAspect="1"/>
+          </p:cNvPicPr>
+          <p:nvPr/>
+        </p:nvPicPr>
+        <p:blipFill>
+          <a:blip r:embed="rId10" cstate="print">
+            <a:extLst>
+              <a:ext uri="{28A0092B-C50C-407E-A947-70E740481C1C}">
+                <a14:useLocalDpi xmlns:a14="http://schemas.microsoft.com/office/drawing/2010/main" val="0"/>
+              </a:ext>
+            </a:extLst>
+          </a:blip>
+          <a:stretch>
+            <a:fillRect/>
+          </a:stretch>
+        </p:blipFill>
+        <p:spPr>
+          <a:xfrm>
+            <a:off x="10895117" y="4943975"/>
+            <a:ext cx="65834" cy="345628"/>
+          </a:xfrm>
+          <a:prstGeom prst="rect">
+            <a:avLst/>
+          </a:prstGeom>
+          <a:solidFill>
+            <a:schemeClr val="accent6">
+              <a:lumMod val="20000"/>
+              <a:lumOff val="80000"/>
+            </a:schemeClr>
+          </a:solidFill>
+        </p:spPr>
+      </p:pic>
+      <p:pic>
+        <p:nvPicPr>
+          <p:cNvPr id="47" name="図 46"/>
+          <p:cNvPicPr>
+            <a:picLocks noChangeAspect="1"/>
+          </p:cNvPicPr>
+          <p:nvPr/>
+        </p:nvPicPr>
+        <p:blipFill>
+          <a:blip r:embed="rId11" cstate="print">
+            <a:extLst>
+              <a:ext uri="{28A0092B-C50C-407E-A947-70E740481C1C}">
+                <a14:useLocalDpi xmlns:a14="http://schemas.microsoft.com/office/drawing/2010/main" val="0"/>
+              </a:ext>
+            </a:extLst>
+          </a:blip>
+          <a:stretch>
+            <a:fillRect/>
+          </a:stretch>
+        </p:blipFill>
+        <p:spPr>
+          <a:xfrm>
+            <a:off x="10895117" y="4506059"/>
+            <a:ext cx="65834" cy="345628"/>
+          </a:xfrm>
+          <a:prstGeom prst="rect">
+            <a:avLst/>
+          </a:prstGeom>
+          <a:solidFill>
+            <a:schemeClr val="accent6">
+              <a:lumMod val="20000"/>
+              <a:lumOff val="80000"/>
+            </a:schemeClr>
+          </a:solidFill>
+        </p:spPr>
+      </p:pic>
+      <p:pic>
+        <p:nvPicPr>
+          <p:cNvPr id="48" name="図 47"/>
+          <p:cNvPicPr>
+            <a:picLocks noChangeAspect="1"/>
+          </p:cNvPicPr>
+          <p:nvPr/>
+        </p:nvPicPr>
+        <p:blipFill>
+          <a:blip r:embed="rId12" cstate="print">
+            <a:extLst>
+              <a:ext uri="{28A0092B-C50C-407E-A947-70E740481C1C}">
+                <a14:useLocalDpi xmlns:a14="http://schemas.microsoft.com/office/drawing/2010/main" val="0"/>
+              </a:ext>
+            </a:extLst>
+          </a:blip>
+          <a:stretch>
+            <a:fillRect/>
+          </a:stretch>
+        </p:blipFill>
+        <p:spPr>
+          <a:xfrm>
+            <a:off x="10736704" y="2835345"/>
+            <a:ext cx="382661" cy="382661"/>
+          </a:xfrm>
+          <a:prstGeom prst="rect">
+            <a:avLst/>
+          </a:prstGeom>
+          <a:solidFill>
+            <a:schemeClr val="accent6">
+              <a:lumMod val="20000"/>
+              <a:lumOff val="80000"/>
+            </a:schemeClr>
+          </a:solidFill>
+        </p:spPr>
+      </p:pic>
+      <p:sp>
+        <p:nvSpPr>
+          <p:cNvPr id="50" name="角丸四角形 49"/>
+          <p:cNvSpPr/>
+          <p:nvPr/>
+        </p:nvSpPr>
+        <p:spPr>
+          <a:xfrm>
+            <a:off x="2971066" y="1181944"/>
+            <a:ext cx="3766439" cy="1563281"/>
+          </a:xfrm>
+          <a:prstGeom prst="roundRect">
+            <a:avLst/>
+          </a:prstGeom>
+          <a:solidFill>
+            <a:schemeClr val="accent6">
+              <a:lumMod val="20000"/>
+              <a:lumOff val="80000"/>
+            </a:schemeClr>
+          </a:solidFill>
+          <a:ln>
             <a:solidFill>
               <a:srgbClr val="92D050"/>
             </a:solidFill>
           </a:ln>
         </p:spPr>
-      </p:pic>
+        <p:style>
+          <a:lnRef idx="2">
+            <a:schemeClr val="accent1">
+              <a:shade val="50000"/>
+            </a:schemeClr>
+          </a:lnRef>
+          <a:fillRef idx="1">
+            <a:schemeClr val="accent1"/>
+          </a:fillRef>
+          <a:effectRef idx="0">
+            <a:schemeClr val="accent1"/>
+          </a:effectRef>
+          <a:fontRef idx="minor">
+            <a:schemeClr val="lt1"/>
+          </a:fontRef>
+        </p:style>
+        <p:txBody>
+          <a:bodyPr rtlCol="0" anchor="t"/>
+          <a:lstStyle/>
+          <a:p>
+            <a:r>
+              <a:rPr kumimoji="1" lang="ja-JP" altLang="en-US" sz="1400" dirty="0" smtClean="0">
+                <a:solidFill>
+                  <a:schemeClr val="tx1"/>
+                </a:solidFill>
+                <a:latin typeface="HGSｺﾞｼｯｸM" panose="020B0600000000000000" pitchFamily="50" charset="-128"/>
+                <a:ea typeface="HGSｺﾞｼｯｸM" panose="020B0600000000000000" pitchFamily="50" charset="-128"/>
+              </a:rPr>
+              <a:t>マップサイズは</a:t>
+            </a:r>
+            <a:r>
+              <a:rPr kumimoji="1" lang="en-US" altLang="ja-JP" sz="1400" dirty="0" smtClean="0">
+                <a:solidFill>
+                  <a:schemeClr val="tx1"/>
+                </a:solidFill>
+                <a:latin typeface="HGSｺﾞｼｯｸM" panose="020B0600000000000000" pitchFamily="50" charset="-128"/>
+                <a:ea typeface="HGSｺﾞｼｯｸM" panose="020B0600000000000000" pitchFamily="50" charset="-128"/>
+              </a:rPr>
+              <a:t>(10*15)</a:t>
+            </a:r>
+            <a:r>
+              <a:rPr kumimoji="1" lang="ja-JP" altLang="en-US" sz="1400" dirty="0" smtClean="0">
+                <a:solidFill>
+                  <a:schemeClr val="tx1"/>
+                </a:solidFill>
+                <a:latin typeface="HGSｺﾞｼｯｸM" panose="020B0600000000000000" pitchFamily="50" charset="-128"/>
+                <a:ea typeface="HGSｺﾞｼｯｸM" panose="020B0600000000000000" pitchFamily="50" charset="-128"/>
+              </a:rPr>
+              <a:t>です</a:t>
+            </a:r>
+            <a:r>
+              <a:rPr kumimoji="1" lang="ja-JP" altLang="en-US" sz="1400" dirty="0" smtClean="0">
+                <a:solidFill>
+                  <a:schemeClr val="tx1"/>
+                </a:solidFill>
+                <a:latin typeface="HGSｺﾞｼｯｸM" panose="020B0600000000000000" pitchFamily="50" charset="-128"/>
+                <a:ea typeface="HGSｺﾞｼｯｸM" panose="020B0600000000000000" pitchFamily="50" charset="-128"/>
+              </a:rPr>
+              <a:t>。</a:t>
+            </a:r>
+            <a:endParaRPr kumimoji="1" lang="en-US" altLang="ja-JP" sz="1400" dirty="0" smtClean="0">
+              <a:solidFill>
+                <a:schemeClr val="tx1"/>
+              </a:solidFill>
+              <a:latin typeface="HGSｺﾞｼｯｸM" panose="020B0600000000000000" pitchFamily="50" charset="-128"/>
+              <a:ea typeface="HGSｺﾞｼｯｸM" panose="020B0600000000000000" pitchFamily="50" charset="-128"/>
+            </a:endParaRPr>
+          </a:p>
+          <a:p>
+            <a:endParaRPr kumimoji="1" lang="en-US" altLang="ja-JP" sz="1400" dirty="0" smtClean="0">
+              <a:solidFill>
+                <a:schemeClr val="tx1"/>
+              </a:solidFill>
+              <a:latin typeface="HGSｺﾞｼｯｸM" panose="020B0600000000000000" pitchFamily="50" charset="-128"/>
+              <a:ea typeface="HGSｺﾞｼｯｸM" panose="020B0600000000000000" pitchFamily="50" charset="-128"/>
+            </a:endParaRPr>
+          </a:p>
+          <a:p>
+            <a:r>
+              <a:rPr kumimoji="1" lang="ja-JP" altLang="en-US" sz="1400" dirty="0" smtClean="0">
+                <a:solidFill>
+                  <a:schemeClr val="tx1"/>
+                </a:solidFill>
+                <a:latin typeface="HGSｺﾞｼｯｸM" panose="020B0600000000000000" pitchFamily="50" charset="-128"/>
+                <a:ea typeface="HGSｺﾞｼｯｸM" panose="020B0600000000000000" pitchFamily="50" charset="-128"/>
+              </a:rPr>
+              <a:t>数値はカンマ</a:t>
+            </a:r>
+            <a:r>
+              <a:rPr kumimoji="1" lang="en-US" altLang="ja-JP" sz="1400" dirty="0" smtClean="0">
+                <a:solidFill>
+                  <a:schemeClr val="tx1"/>
+                </a:solidFill>
+                <a:latin typeface="HGSｺﾞｼｯｸM" panose="020B0600000000000000" pitchFamily="50" charset="-128"/>
+                <a:ea typeface="HGSｺﾞｼｯｸM" panose="020B0600000000000000" pitchFamily="50" charset="-128"/>
+              </a:rPr>
+              <a:t>(,)</a:t>
+            </a:r>
+            <a:r>
+              <a:rPr kumimoji="1" lang="ja-JP" altLang="en-US" sz="1400" dirty="0" smtClean="0">
+                <a:solidFill>
+                  <a:schemeClr val="tx1"/>
+                </a:solidFill>
+                <a:latin typeface="HGSｺﾞｼｯｸM" panose="020B0600000000000000" pitchFamily="50" charset="-128"/>
+                <a:ea typeface="HGSｺﾞｼｯｸM" panose="020B0600000000000000" pitchFamily="50" charset="-128"/>
+              </a:rPr>
+              <a:t>区切りで入力してください</a:t>
+            </a:r>
+            <a:r>
+              <a:rPr kumimoji="1" lang="ja-JP" altLang="en-US" sz="1400" dirty="0" smtClean="0">
+                <a:solidFill>
+                  <a:schemeClr val="tx1"/>
+                </a:solidFill>
+                <a:latin typeface="HGSｺﾞｼｯｸM" panose="020B0600000000000000" pitchFamily="50" charset="-128"/>
+                <a:ea typeface="HGSｺﾞｼｯｸM" panose="020B0600000000000000" pitchFamily="50" charset="-128"/>
+              </a:rPr>
+              <a:t>。</a:t>
+            </a:r>
+            <a:endParaRPr kumimoji="1" lang="en-US" altLang="ja-JP" sz="1400" dirty="0" smtClean="0">
+              <a:solidFill>
+                <a:schemeClr val="tx1"/>
+              </a:solidFill>
+              <a:latin typeface="HGSｺﾞｼｯｸM" panose="020B0600000000000000" pitchFamily="50" charset="-128"/>
+              <a:ea typeface="HGSｺﾞｼｯｸM" panose="020B0600000000000000" pitchFamily="50" charset="-128"/>
+            </a:endParaRPr>
+          </a:p>
+          <a:p>
+            <a:endParaRPr kumimoji="1" lang="en-US" altLang="ja-JP" sz="1400" dirty="0" smtClean="0">
+              <a:solidFill>
+                <a:schemeClr val="tx1"/>
+              </a:solidFill>
+              <a:latin typeface="HGSｺﾞｼｯｸM" panose="020B0600000000000000" pitchFamily="50" charset="-128"/>
+              <a:ea typeface="HGSｺﾞｼｯｸM" panose="020B0600000000000000" pitchFamily="50" charset="-128"/>
+            </a:endParaRPr>
+          </a:p>
+          <a:p>
+            <a:r>
+              <a:rPr lang="ja-JP" altLang="en-US" sz="1400" dirty="0">
+                <a:solidFill>
+                  <a:schemeClr val="tx1"/>
+                </a:solidFill>
+                <a:latin typeface="HGSｺﾞｼｯｸM" panose="020B0600000000000000" pitchFamily="50" charset="-128"/>
+                <a:ea typeface="HGSｺﾞｼｯｸM" panose="020B0600000000000000" pitchFamily="50" charset="-128"/>
+              </a:rPr>
+              <a:t>ステージ</a:t>
+            </a:r>
+            <a:r>
+              <a:rPr lang="ja-JP" altLang="en-US" sz="1400" dirty="0" smtClean="0">
+                <a:solidFill>
+                  <a:schemeClr val="tx1"/>
+                </a:solidFill>
+                <a:latin typeface="HGSｺﾞｼｯｸM" panose="020B0600000000000000" pitchFamily="50" charset="-128"/>
+                <a:ea typeface="HGSｺﾞｼｯｸM" panose="020B0600000000000000" pitchFamily="50" charset="-128"/>
+              </a:rPr>
+              <a:t>を追加する際は、</a:t>
+            </a:r>
+            <a:endParaRPr lang="en-US" altLang="ja-JP" sz="1400" dirty="0" smtClean="0">
+              <a:solidFill>
+                <a:schemeClr val="tx1"/>
+              </a:solidFill>
+              <a:latin typeface="HGSｺﾞｼｯｸM" panose="020B0600000000000000" pitchFamily="50" charset="-128"/>
+              <a:ea typeface="HGSｺﾞｼｯｸM" panose="020B0600000000000000" pitchFamily="50" charset="-128"/>
+            </a:endParaRPr>
+          </a:p>
+          <a:p>
+            <a:r>
+              <a:rPr lang="en-US" altLang="ja-JP" sz="1400" dirty="0" smtClean="0">
+                <a:solidFill>
+                  <a:schemeClr val="tx1"/>
+                </a:solidFill>
+                <a:latin typeface="HGSｺﾞｼｯｸM" panose="020B0600000000000000" pitchFamily="50" charset="-128"/>
+                <a:ea typeface="HGSｺﾞｼｯｸM" panose="020B0600000000000000" pitchFamily="50" charset="-128"/>
+              </a:rPr>
+              <a:t>(stage) + </a:t>
+            </a:r>
+            <a:r>
+              <a:rPr lang="ja-JP" altLang="en-US" sz="1400" dirty="0" smtClean="0">
+                <a:solidFill>
+                  <a:schemeClr val="tx1"/>
+                </a:solidFill>
+                <a:latin typeface="HGSｺﾞｼｯｸM" panose="020B0600000000000000" pitchFamily="50" charset="-128"/>
+                <a:ea typeface="HGSｺﾞｼｯｸM" panose="020B0600000000000000" pitchFamily="50" charset="-128"/>
+              </a:rPr>
+              <a:t>番号 で</a:t>
+            </a:r>
+            <a:r>
+              <a:rPr kumimoji="1" lang="ja-JP" altLang="en-US" sz="1400" dirty="0" smtClean="0">
+                <a:solidFill>
+                  <a:schemeClr val="tx1"/>
+                </a:solidFill>
+                <a:latin typeface="HGSｺﾞｼｯｸM" panose="020B0600000000000000" pitchFamily="50" charset="-128"/>
+                <a:ea typeface="HGSｺﾞｼｯｸM" panose="020B0600000000000000" pitchFamily="50" charset="-128"/>
+              </a:rPr>
+              <a:t>追加</a:t>
+            </a:r>
+            <a:r>
+              <a:rPr kumimoji="1" lang="ja-JP" altLang="en-US" sz="1400" dirty="0">
+                <a:solidFill>
+                  <a:schemeClr val="tx1"/>
+                </a:solidFill>
+                <a:latin typeface="HGSｺﾞｼｯｸM" panose="020B0600000000000000" pitchFamily="50" charset="-128"/>
+                <a:ea typeface="HGSｺﾞｼｯｸM" panose="020B0600000000000000" pitchFamily="50" charset="-128"/>
+              </a:rPr>
+              <a:t>して</a:t>
+            </a:r>
+            <a:r>
+              <a:rPr kumimoji="1" lang="ja-JP" altLang="en-US" sz="1400" dirty="0" smtClean="0">
+                <a:solidFill>
+                  <a:schemeClr val="tx1"/>
+                </a:solidFill>
+                <a:latin typeface="HGSｺﾞｼｯｸM" panose="020B0600000000000000" pitchFamily="50" charset="-128"/>
+                <a:ea typeface="HGSｺﾞｼｯｸM" panose="020B0600000000000000" pitchFamily="50" charset="-128"/>
+              </a:rPr>
+              <a:t>ください。</a:t>
+            </a:r>
+            <a:endParaRPr kumimoji="1" lang="en-US" altLang="ja-JP" sz="1400" dirty="0" smtClean="0">
+              <a:solidFill>
+                <a:schemeClr val="tx1"/>
+              </a:solidFill>
+              <a:latin typeface="HGSｺﾞｼｯｸM" panose="020B0600000000000000" pitchFamily="50" charset="-128"/>
+              <a:ea typeface="HGSｺﾞｼｯｸM" panose="020B0600000000000000" pitchFamily="50" charset="-128"/>
+            </a:endParaRPr>
+          </a:p>
+          <a:p>
+            <a:endParaRPr lang="en-US" altLang="ja-JP" sz="1400" dirty="0">
+              <a:solidFill>
+                <a:schemeClr val="tx1"/>
+              </a:solidFill>
+              <a:latin typeface="HGSｺﾞｼｯｸM" panose="020B0600000000000000" pitchFamily="50" charset="-128"/>
+              <a:ea typeface="HGSｺﾞｼｯｸM" panose="020B0600000000000000" pitchFamily="50" charset="-128"/>
+            </a:endParaRPr>
+          </a:p>
+        </p:txBody>
+      </p:sp>
       <p:grpSp>
         <p:nvGrpSpPr>
-          <p:cNvPr id="49" name="グループ化 48"/>
+          <p:cNvPr id="10" name="グループ化 9"/>
           <p:cNvGrpSpPr/>
           <p:nvPr/>
         </p:nvGrpSpPr>
         <p:grpSpPr>
           <a:xfrm>
-            <a:off x="6428910" y="1511514"/>
-            <a:ext cx="5192993" cy="5207900"/>
-            <a:chOff x="3007982" y="1050437"/>
-            <a:chExt cx="5192993" cy="5207900"/>
+            <a:off x="125829" y="2916061"/>
+            <a:ext cx="6611676" cy="3801828"/>
+            <a:chOff x="-367557" y="2917587"/>
+            <a:chExt cx="6611676" cy="3801828"/>
           </a:xfrm>
         </p:grpSpPr>
+        <p:grpSp>
+          <p:nvGrpSpPr>
+            <p:cNvPr id="6" name="グループ化 5"/>
+            <p:cNvGrpSpPr/>
+            <p:nvPr/>
+          </p:nvGrpSpPr>
+          <p:grpSpPr>
+            <a:xfrm>
+              <a:off x="-367557" y="3156342"/>
+              <a:ext cx="6611676" cy="3563073"/>
+              <a:chOff x="186520" y="3215944"/>
+              <a:chExt cx="6611676" cy="3563073"/>
+            </a:xfrm>
+          </p:grpSpPr>
+          <p:sp>
+            <p:nvSpPr>
+              <p:cNvPr id="29" name="角丸四角形 28"/>
+              <p:cNvSpPr/>
+              <p:nvPr/>
+            </p:nvSpPr>
+            <p:spPr>
+              <a:xfrm>
+                <a:off x="186520" y="3215944"/>
+                <a:ext cx="6611676" cy="3563073"/>
+              </a:xfrm>
+              <a:prstGeom prst="roundRect">
+                <a:avLst/>
+              </a:prstGeom>
+              <a:solidFill>
+                <a:schemeClr val="bg1"/>
+              </a:solidFill>
+              <a:ln>
+                <a:solidFill>
+                  <a:srgbClr val="92D050"/>
+                </a:solidFill>
+              </a:ln>
+            </p:spPr>
+            <p:style>
+              <a:lnRef idx="2">
+                <a:schemeClr val="accent1">
+                  <a:shade val="50000"/>
+                </a:schemeClr>
+              </a:lnRef>
+              <a:fillRef idx="1">
+                <a:schemeClr val="accent1"/>
+              </a:fillRef>
+              <a:effectRef idx="0">
+                <a:schemeClr val="accent1"/>
+              </a:effectRef>
+              <a:fontRef idx="minor">
+                <a:schemeClr val="lt1"/>
+              </a:fontRef>
+            </p:style>
+            <p:txBody>
+              <a:bodyPr rtlCol="0" anchor="ctr"/>
+              <a:lstStyle/>
+              <a:p>
+                <a:pPr algn="ctr"/>
+                <a:endParaRPr kumimoji="1" lang="ja-JP" altLang="en-US" dirty="0">
+                  <a:solidFill>
+                    <a:schemeClr val="tx1"/>
+                  </a:solidFill>
+                  <a:latin typeface="HGSｺﾞｼｯｸM" panose="020B0600000000000000" pitchFamily="50" charset="-128"/>
+                  <a:ea typeface="HGSｺﾞｼｯｸM" panose="020B0600000000000000" pitchFamily="50" charset="-128"/>
+                </a:endParaRPr>
+              </a:p>
+            </p:txBody>
+          </p:sp>
+          <p:grpSp>
+            <p:nvGrpSpPr>
+              <p:cNvPr id="5" name="グループ化 4"/>
+              <p:cNvGrpSpPr/>
+              <p:nvPr/>
+            </p:nvGrpSpPr>
+            <p:grpSpPr>
+              <a:xfrm>
+                <a:off x="1468693" y="3725185"/>
+                <a:ext cx="3866713" cy="2916430"/>
+                <a:chOff x="1592942" y="3117810"/>
+                <a:chExt cx="4963041" cy="3743325"/>
+              </a:xfrm>
+            </p:grpSpPr>
+            <p:pic>
+              <p:nvPicPr>
+                <p:cNvPr id="16" name="図 15"/>
+                <p:cNvPicPr>
+                  <a:picLocks noChangeAspect="1"/>
+                </p:cNvPicPr>
+                <p:nvPr/>
+              </p:nvPicPr>
+              <p:blipFill>
+                <a:blip r:embed="rId13"/>
+                <a:stretch>
+                  <a:fillRect/>
+                </a:stretch>
+              </p:blipFill>
+              <p:spPr>
+                <a:xfrm>
+                  <a:off x="1592942" y="3117810"/>
+                  <a:ext cx="1463002" cy="3743325"/>
+                </a:xfrm>
+                <a:prstGeom prst="rect">
+                  <a:avLst/>
+                </a:prstGeom>
+                <a:ln w="28575">
+                  <a:solidFill>
+                    <a:srgbClr val="92D050"/>
+                  </a:solidFill>
+                </a:ln>
+              </p:spPr>
+            </p:pic>
+            <p:pic>
+              <p:nvPicPr>
+                <p:cNvPr id="2" name="図 1"/>
+                <p:cNvPicPr>
+                  <a:picLocks noChangeAspect="1"/>
+                </p:cNvPicPr>
+                <p:nvPr/>
+              </p:nvPicPr>
+              <p:blipFill rotWithShape="1">
+                <a:blip r:embed="rId14"/>
+                <a:srcRect l="1240" t="798" r="-1" b="-405"/>
+                <a:stretch/>
+              </p:blipFill>
+              <p:spPr>
+                <a:xfrm>
+                  <a:off x="3241339" y="3117810"/>
+                  <a:ext cx="1468110" cy="3743325"/>
+                </a:xfrm>
+                <a:prstGeom prst="rect">
+                  <a:avLst/>
+                </a:prstGeom>
+                <a:ln w="28575">
+                  <a:solidFill>
+                    <a:srgbClr val="92D050"/>
+                  </a:solidFill>
+                </a:ln>
+              </p:spPr>
+            </p:pic>
+            <p:pic>
+              <p:nvPicPr>
+                <p:cNvPr id="3" name="図 2"/>
+                <p:cNvPicPr>
+                  <a:picLocks noChangeAspect="1"/>
+                </p:cNvPicPr>
+                <p:nvPr/>
+              </p:nvPicPr>
+              <p:blipFill rotWithShape="1">
+                <a:blip r:embed="rId15"/>
+                <a:srcRect r="3126" b="2373"/>
+                <a:stretch/>
+              </p:blipFill>
+              <p:spPr>
+                <a:xfrm>
+                  <a:off x="4894847" y="4554672"/>
+                  <a:ext cx="1661136" cy="2306463"/>
+                </a:xfrm>
+                <a:prstGeom prst="rect">
+                  <a:avLst/>
+                </a:prstGeom>
+                <a:ln w="28575">
+                  <a:solidFill>
+                    <a:srgbClr val="92D050"/>
+                  </a:solidFill>
+                </a:ln>
+              </p:spPr>
+            </p:pic>
+          </p:grpSp>
+        </p:grpSp>
         <p:sp>
           <p:nvSpPr>
-            <p:cNvPr id="28" name="角丸四角形 27"/>
+            <p:cNvPr id="30" name="角丸四角形 29"/>
             <p:cNvSpPr/>
             <p:nvPr/>
           </p:nvSpPr>
           <p:spPr>
             <a:xfrm>
-              <a:off x="3007982" y="1050437"/>
-              <a:ext cx="5192993" cy="5207900"/>
+              <a:off x="1735912" y="2917587"/>
+              <a:ext cx="2404739" cy="461728"/>
             </a:xfrm>
             <a:prstGeom prst="roundRect">
               <a:avLst/>
             </a:prstGeom>
             <a:solidFill>
-              <a:schemeClr val="bg1"/>
+              <a:srgbClr val="92D050"/>
             </a:solidFill>
             <a:ln>
-              <a:solidFill>
-                <a:srgbClr val="92D050"/>
-              </a:solidFill>
+              <a:noFill/>
             </a:ln>
           </p:spPr>
           <p:style>
@@ -8715,323 +10065,21 @@
             </a:fontRef>
           </p:style>
           <p:txBody>
-            <a:bodyPr rtlCol="0" anchor="t"/>
+            <a:bodyPr rtlCol="0" anchor="ctr"/>
             <a:lstStyle/>
             <a:p>
+              <a:pPr algn="ctr"/>
               <a:r>
-                <a:rPr kumimoji="1" lang="en-US" altLang="ja-JP" sz="2800" dirty="0" smtClean="0">
+                <a:rPr lang="en-US" altLang="ja-JP" dirty="0">
                   <a:solidFill>
                     <a:schemeClr val="tx1"/>
                   </a:solidFill>
                   <a:latin typeface="HGSｺﾞｼｯｸM" panose="020B0600000000000000" pitchFamily="50" charset="-128"/>
                   <a:ea typeface="HGSｺﾞｼｯｸM" panose="020B0600000000000000" pitchFamily="50" charset="-128"/>
                 </a:rPr>
-                <a:t>0	: </a:t>
+                <a:t>Obj_Map.csv</a:t>
               </a:r>
-              <a:r>
-                <a:rPr kumimoji="1" lang="ja-JP" altLang="en-US" sz="2800" dirty="0" smtClean="0">
-                  <a:solidFill>
-                    <a:schemeClr val="tx1"/>
-                  </a:solidFill>
-                  <a:latin typeface="HGSｺﾞｼｯｸM" panose="020B0600000000000000" pitchFamily="50" charset="-128"/>
-                  <a:ea typeface="HGSｺﾞｼｯｸM" panose="020B0600000000000000" pitchFamily="50" charset="-128"/>
-                </a:rPr>
-                <a:t>空白</a:t>
-              </a:r>
-              <a:endParaRPr kumimoji="1" lang="en-US" altLang="ja-JP" sz="2800" dirty="0" smtClean="0">
-                <a:solidFill>
-                  <a:schemeClr val="tx1"/>
-                </a:solidFill>
-                <a:latin typeface="HGSｺﾞｼｯｸM" panose="020B0600000000000000" pitchFamily="50" charset="-128"/>
-                <a:ea typeface="HGSｺﾞｼｯｸM" panose="020B0600000000000000" pitchFamily="50" charset="-128"/>
-              </a:endParaRPr>
-            </a:p>
-            <a:p>
-              <a:r>
-                <a:rPr lang="en-US" altLang="ja-JP" sz="2800" dirty="0" smtClean="0">
-                  <a:solidFill>
-                    <a:schemeClr val="tx1"/>
-                  </a:solidFill>
-                  <a:latin typeface="HGSｺﾞｼｯｸM" panose="020B0600000000000000" pitchFamily="50" charset="-128"/>
-                  <a:ea typeface="HGSｺﾞｼｯｸM" panose="020B0600000000000000" pitchFamily="50" charset="-128"/>
-                </a:rPr>
-                <a:t>1  	: </a:t>
-              </a:r>
-              <a:r>
-                <a:rPr lang="ja-JP" altLang="en-US" sz="2800" dirty="0" smtClean="0">
-                  <a:solidFill>
-                    <a:schemeClr val="tx1"/>
-                  </a:solidFill>
-                  <a:latin typeface="HGSｺﾞｼｯｸM" panose="020B0600000000000000" pitchFamily="50" charset="-128"/>
-                  <a:ea typeface="HGSｺﾞｼｯｸM" panose="020B0600000000000000" pitchFamily="50" charset="-128"/>
-                </a:rPr>
-                <a:t>プレイヤー</a:t>
-              </a:r>
-              <a:r>
-                <a:rPr lang="en-US" altLang="ja-JP" sz="2800" dirty="0" smtClean="0">
-                  <a:solidFill>
-                    <a:schemeClr val="tx1"/>
-                  </a:solidFill>
-                  <a:latin typeface="HGSｺﾞｼｯｸM" panose="020B0600000000000000" pitchFamily="50" charset="-128"/>
-                  <a:ea typeface="HGSｺﾞｼｯｸM" panose="020B0600000000000000" pitchFamily="50" charset="-128"/>
-                </a:rPr>
-                <a:t>  </a:t>
-              </a:r>
-            </a:p>
-            <a:p>
-              <a:r>
-                <a:rPr kumimoji="1" lang="en-US" altLang="ja-JP" sz="2800" dirty="0" smtClean="0">
-                  <a:solidFill>
-                    <a:schemeClr val="tx1"/>
-                  </a:solidFill>
-                  <a:latin typeface="HGSｺﾞｼｯｸM" panose="020B0600000000000000" pitchFamily="50" charset="-128"/>
-                  <a:ea typeface="HGSｺﾞｼｯｸM" panose="020B0600000000000000" pitchFamily="50" charset="-128"/>
-                </a:rPr>
-                <a:t>2  	: </a:t>
-              </a:r>
-              <a:r>
-                <a:rPr kumimoji="1" lang="ja-JP" altLang="en-US" sz="2800" dirty="0" smtClean="0">
-                  <a:solidFill>
-                    <a:schemeClr val="tx1"/>
-                  </a:solidFill>
-                  <a:latin typeface="HGSｺﾞｼｯｸM" panose="020B0600000000000000" pitchFamily="50" charset="-128"/>
-                  <a:ea typeface="HGSｺﾞｼｯｸM" panose="020B0600000000000000" pitchFamily="50" charset="-128"/>
-                </a:rPr>
-                <a:t>風船</a:t>
-              </a:r>
-              <a:endParaRPr kumimoji="1" lang="en-US" altLang="ja-JP" sz="2800" dirty="0" smtClean="0">
-                <a:solidFill>
-                  <a:schemeClr val="tx1"/>
-                </a:solidFill>
-                <a:latin typeface="HGSｺﾞｼｯｸM" panose="020B0600000000000000" pitchFamily="50" charset="-128"/>
-                <a:ea typeface="HGSｺﾞｼｯｸM" panose="020B0600000000000000" pitchFamily="50" charset="-128"/>
-              </a:endParaRPr>
-            </a:p>
-            <a:p>
-              <a:r>
-                <a:rPr lang="en-US" altLang="ja-JP" sz="2800" dirty="0" smtClean="0">
-                  <a:solidFill>
-                    <a:schemeClr val="tx1"/>
-                  </a:solidFill>
-                  <a:latin typeface="HGSｺﾞｼｯｸM" panose="020B0600000000000000" pitchFamily="50" charset="-128"/>
-                  <a:ea typeface="HGSｺﾞｼｯｸM" panose="020B0600000000000000" pitchFamily="50" charset="-128"/>
-                </a:rPr>
-                <a:t>3  	: </a:t>
-              </a:r>
-              <a:r>
-                <a:rPr lang="ja-JP" altLang="en-US" sz="2800" dirty="0" smtClean="0">
-                  <a:solidFill>
-                    <a:schemeClr val="tx1"/>
-                  </a:solidFill>
-                  <a:latin typeface="HGSｺﾞｼｯｸM" panose="020B0600000000000000" pitchFamily="50" charset="-128"/>
-                  <a:ea typeface="HGSｺﾞｼｯｸM" panose="020B0600000000000000" pitchFamily="50" charset="-128"/>
-                </a:rPr>
-                <a:t>ブロック</a:t>
-              </a:r>
-              <a:endParaRPr lang="en-US" altLang="ja-JP" sz="2800" dirty="0" smtClean="0">
-                <a:solidFill>
-                  <a:schemeClr val="tx1"/>
-                </a:solidFill>
-                <a:latin typeface="HGSｺﾞｼｯｸM" panose="020B0600000000000000" pitchFamily="50" charset="-128"/>
-                <a:ea typeface="HGSｺﾞｼｯｸM" panose="020B0600000000000000" pitchFamily="50" charset="-128"/>
-              </a:endParaRPr>
-            </a:p>
-            <a:p>
-              <a:r>
-                <a:rPr kumimoji="1" lang="en-US" altLang="ja-JP" sz="2800" dirty="0" smtClean="0">
-                  <a:solidFill>
-                    <a:schemeClr val="tx1"/>
-                  </a:solidFill>
-                  <a:latin typeface="HGSｺﾞｼｯｸM" panose="020B0600000000000000" pitchFamily="50" charset="-128"/>
-                  <a:ea typeface="HGSｺﾞｼｯｸM" panose="020B0600000000000000" pitchFamily="50" charset="-128"/>
-                </a:rPr>
-                <a:t>4  	: </a:t>
-              </a:r>
-              <a:r>
-                <a:rPr kumimoji="1" lang="ja-JP" altLang="en-US" sz="2800" dirty="0" smtClean="0">
-                  <a:solidFill>
-                    <a:schemeClr val="tx1"/>
-                  </a:solidFill>
-                  <a:latin typeface="HGSｺﾞｼｯｸM" panose="020B0600000000000000" pitchFamily="50" charset="-128"/>
-                  <a:ea typeface="HGSｺﾞｼｯｸM" panose="020B0600000000000000" pitchFamily="50" charset="-128"/>
-                </a:rPr>
-                <a:t>ドア</a:t>
-              </a:r>
-              <a:endParaRPr kumimoji="1" lang="en-US" altLang="ja-JP" sz="2800" dirty="0" smtClean="0">
-                <a:solidFill>
-                  <a:schemeClr val="tx1"/>
-                </a:solidFill>
-                <a:latin typeface="HGSｺﾞｼｯｸM" panose="020B0600000000000000" pitchFamily="50" charset="-128"/>
-                <a:ea typeface="HGSｺﾞｼｯｸM" panose="020B0600000000000000" pitchFamily="50" charset="-128"/>
-              </a:endParaRPr>
-            </a:p>
-            <a:p>
-              <a:r>
-                <a:rPr lang="en-US" altLang="ja-JP" sz="2800" dirty="0" smtClean="0">
-                  <a:solidFill>
-                    <a:schemeClr val="tx1"/>
-                  </a:solidFill>
-                  <a:latin typeface="HGSｺﾞｼｯｸM" panose="020B0600000000000000" pitchFamily="50" charset="-128"/>
-                  <a:ea typeface="HGSｺﾞｼｯｸM" panose="020B0600000000000000" pitchFamily="50" charset="-128"/>
-                </a:rPr>
-                <a:t>5  	: </a:t>
-              </a:r>
-              <a:r>
-                <a:rPr lang="ja-JP" altLang="en-US" sz="2800" dirty="0" smtClean="0">
-                  <a:solidFill>
-                    <a:schemeClr val="tx1"/>
-                  </a:solidFill>
-                  <a:latin typeface="HGSｺﾞｼｯｸM" panose="020B0600000000000000" pitchFamily="50" charset="-128"/>
-                  <a:ea typeface="HGSｺﾞｼｯｸM" panose="020B0600000000000000" pitchFamily="50" charset="-128"/>
-                </a:rPr>
-                <a:t>箱</a:t>
-              </a:r>
-              <a:endParaRPr lang="en-US" altLang="ja-JP" sz="2800" dirty="0" smtClean="0">
-                <a:solidFill>
-                  <a:schemeClr val="tx1"/>
-                </a:solidFill>
-                <a:latin typeface="HGSｺﾞｼｯｸM" panose="020B0600000000000000" pitchFamily="50" charset="-128"/>
-                <a:ea typeface="HGSｺﾞｼｯｸM" panose="020B0600000000000000" pitchFamily="50" charset="-128"/>
-              </a:endParaRPr>
-            </a:p>
-            <a:p>
-              <a:r>
-                <a:rPr kumimoji="1" lang="en-US" altLang="ja-JP" sz="2800" dirty="0" smtClean="0">
-                  <a:solidFill>
-                    <a:schemeClr val="tx1"/>
-                  </a:solidFill>
-                  <a:latin typeface="HGSｺﾞｼｯｸM" panose="020B0600000000000000" pitchFamily="50" charset="-128"/>
-                  <a:ea typeface="HGSｺﾞｼｯｸM" panose="020B0600000000000000" pitchFamily="50" charset="-128"/>
-                </a:rPr>
-                <a:t>6  	: </a:t>
-              </a:r>
-              <a:r>
-                <a:rPr kumimoji="1" lang="ja-JP" altLang="en-US" sz="2800" dirty="0" smtClean="0">
-                  <a:solidFill>
-                    <a:schemeClr val="tx1"/>
-                  </a:solidFill>
-                  <a:latin typeface="HGSｺﾞｼｯｸM" panose="020B0600000000000000" pitchFamily="50" charset="-128"/>
-                  <a:ea typeface="HGSｺﾞｼｯｸM" panose="020B0600000000000000" pitchFamily="50" charset="-128"/>
-                </a:rPr>
-                <a:t>トゲボール</a:t>
-              </a:r>
-              <a:endParaRPr kumimoji="1" lang="en-US" altLang="ja-JP" sz="2800" dirty="0" smtClean="0">
-                <a:solidFill>
-                  <a:schemeClr val="tx1"/>
-                </a:solidFill>
-                <a:latin typeface="HGSｺﾞｼｯｸM" panose="020B0600000000000000" pitchFamily="50" charset="-128"/>
-                <a:ea typeface="HGSｺﾞｼｯｸM" panose="020B0600000000000000" pitchFamily="50" charset="-128"/>
-              </a:endParaRPr>
-            </a:p>
-            <a:p>
-              <a:r>
-                <a:rPr lang="en-US" altLang="ja-JP" sz="2800" dirty="0" smtClean="0">
-                  <a:solidFill>
-                    <a:schemeClr val="tx1"/>
-                  </a:solidFill>
-                  <a:latin typeface="HGSｺﾞｼｯｸM" panose="020B0600000000000000" pitchFamily="50" charset="-128"/>
-                  <a:ea typeface="HGSｺﾞｼｯｸM" panose="020B0600000000000000" pitchFamily="50" charset="-128"/>
-                </a:rPr>
-                <a:t>7  	: </a:t>
-              </a:r>
-              <a:r>
-                <a:rPr lang="ja-JP" altLang="en-US" sz="2800" dirty="0" smtClean="0">
-                  <a:solidFill>
-                    <a:schemeClr val="tx1"/>
-                  </a:solidFill>
-                  <a:latin typeface="HGSｺﾞｼｯｸM" panose="020B0600000000000000" pitchFamily="50" charset="-128"/>
-                  <a:ea typeface="HGSｺﾞｼｯｸM" panose="020B0600000000000000" pitchFamily="50" charset="-128"/>
-                </a:rPr>
-                <a:t>右向きのトゲ</a:t>
-              </a:r>
-              <a:endParaRPr lang="en-US" altLang="ja-JP" sz="2800" dirty="0" smtClean="0">
-                <a:solidFill>
-                  <a:schemeClr val="tx1"/>
-                </a:solidFill>
-                <a:latin typeface="HGSｺﾞｼｯｸM" panose="020B0600000000000000" pitchFamily="50" charset="-128"/>
-                <a:ea typeface="HGSｺﾞｼｯｸM" panose="020B0600000000000000" pitchFamily="50" charset="-128"/>
-              </a:endParaRPr>
-            </a:p>
-            <a:p>
-              <a:r>
-                <a:rPr kumimoji="1" lang="en-US" altLang="ja-JP" sz="2800" dirty="0" smtClean="0">
-                  <a:solidFill>
-                    <a:schemeClr val="tx1"/>
-                  </a:solidFill>
-                  <a:latin typeface="HGSｺﾞｼｯｸM" panose="020B0600000000000000" pitchFamily="50" charset="-128"/>
-                  <a:ea typeface="HGSｺﾞｼｯｸM" panose="020B0600000000000000" pitchFamily="50" charset="-128"/>
-                </a:rPr>
-                <a:t>8  	: </a:t>
-              </a:r>
-              <a:r>
-                <a:rPr kumimoji="1" lang="ja-JP" altLang="en-US" sz="2800" dirty="0" smtClean="0">
-                  <a:solidFill>
-                    <a:schemeClr val="tx1"/>
-                  </a:solidFill>
-                  <a:latin typeface="HGSｺﾞｼｯｸM" panose="020B0600000000000000" pitchFamily="50" charset="-128"/>
-                  <a:ea typeface="HGSｺﾞｼｯｸM" panose="020B0600000000000000" pitchFamily="50" charset="-128"/>
-                </a:rPr>
-                <a:t>左向きのトゲ</a:t>
-              </a:r>
-              <a:endParaRPr kumimoji="1" lang="en-US" altLang="ja-JP" sz="2800" dirty="0" smtClean="0">
-                <a:solidFill>
-                  <a:schemeClr val="tx1"/>
-                </a:solidFill>
-                <a:latin typeface="HGSｺﾞｼｯｸM" panose="020B0600000000000000" pitchFamily="50" charset="-128"/>
-                <a:ea typeface="HGSｺﾞｼｯｸM" panose="020B0600000000000000" pitchFamily="50" charset="-128"/>
-              </a:endParaRPr>
-            </a:p>
-            <a:p>
-              <a:r>
-                <a:rPr lang="en-US" altLang="ja-JP" sz="2800" dirty="0" smtClean="0">
-                  <a:solidFill>
-                    <a:schemeClr val="tx1"/>
-                  </a:solidFill>
-                  <a:latin typeface="HGSｺﾞｼｯｸM" panose="020B0600000000000000" pitchFamily="50" charset="-128"/>
-                  <a:ea typeface="HGSｺﾞｼｯｸM" panose="020B0600000000000000" pitchFamily="50" charset="-128"/>
-                </a:rPr>
-                <a:t>9  	: </a:t>
-              </a:r>
-              <a:r>
-                <a:rPr lang="ja-JP" altLang="en-US" sz="2800" dirty="0" smtClean="0">
-                  <a:solidFill>
-                    <a:schemeClr val="tx1"/>
-                  </a:solidFill>
-                  <a:latin typeface="HGSｺﾞｼｯｸM" panose="020B0600000000000000" pitchFamily="50" charset="-128"/>
-                  <a:ea typeface="HGSｺﾞｼｯｸM" panose="020B0600000000000000" pitchFamily="50" charset="-128"/>
-                </a:rPr>
-                <a:t>上向きのトゲ</a:t>
-              </a:r>
-              <a:endParaRPr lang="en-US" altLang="ja-JP" sz="2800" dirty="0" smtClean="0">
-                <a:solidFill>
-                  <a:schemeClr val="tx1"/>
-                </a:solidFill>
-                <a:latin typeface="HGSｺﾞｼｯｸM" panose="020B0600000000000000" pitchFamily="50" charset="-128"/>
-                <a:ea typeface="HGSｺﾞｼｯｸM" panose="020B0600000000000000" pitchFamily="50" charset="-128"/>
-              </a:endParaRPr>
-            </a:p>
-            <a:p>
-              <a:r>
-                <a:rPr lang="en-US" altLang="ja-JP" sz="2800" dirty="0" smtClean="0">
-                  <a:solidFill>
-                    <a:schemeClr val="tx1"/>
-                  </a:solidFill>
-                  <a:latin typeface="HGSｺﾞｼｯｸM" panose="020B0600000000000000" pitchFamily="50" charset="-128"/>
-                  <a:ea typeface="HGSｺﾞｼｯｸM" panose="020B0600000000000000" pitchFamily="50" charset="-128"/>
-                </a:rPr>
-                <a:t>10 	: </a:t>
-              </a:r>
-              <a:r>
-                <a:rPr lang="ja-JP" altLang="en-US" sz="2800" dirty="0" smtClean="0">
-                  <a:solidFill>
-                    <a:schemeClr val="tx1"/>
-                  </a:solidFill>
-                  <a:latin typeface="HGSｺﾞｼｯｸM" panose="020B0600000000000000" pitchFamily="50" charset="-128"/>
-                  <a:ea typeface="HGSｺﾞｼｯｸM" panose="020B0600000000000000" pitchFamily="50" charset="-128"/>
-                </a:rPr>
-                <a:t>下向きのトゲ</a:t>
-              </a:r>
-              <a:endParaRPr lang="en-US" altLang="ja-JP" sz="2800" dirty="0" smtClean="0">
+              <a:endParaRPr kumimoji="1" lang="ja-JP" altLang="en-US" dirty="0">
                 <a:solidFill>
                   <a:schemeClr val="tx1"/>
                 </a:solidFill>
@@ -9041,562 +10089,7 @@
             </a:p>
           </p:txBody>
         </p:sp>
-        <p:pic>
-          <p:nvPicPr>
-            <p:cNvPr id="39" name="図 38"/>
-            <p:cNvPicPr>
-              <a:picLocks noChangeAspect="1"/>
-            </p:cNvPicPr>
-            <p:nvPr/>
-          </p:nvPicPr>
-          <p:blipFill>
-            <a:blip r:embed="rId4" cstate="print">
-              <a:extLst>
-                <a:ext uri="{28A0092B-C50C-407E-A947-70E740481C1C}">
-                  <a14:useLocalDpi xmlns:a14="http://schemas.microsoft.com/office/drawing/2010/main" val="0"/>
-                </a:ext>
-              </a:extLst>
-            </a:blip>
-            <a:stretch>
-              <a:fillRect/>
-            </a:stretch>
-          </p:blipFill>
-          <p:spPr>
-            <a:xfrm>
-              <a:off x="6902603" y="5829365"/>
-              <a:ext cx="345630" cy="65834"/>
-            </a:xfrm>
-            <a:prstGeom prst="rect">
-              <a:avLst/>
-            </a:prstGeom>
-          </p:spPr>
-        </p:pic>
-        <p:pic>
-          <p:nvPicPr>
-            <p:cNvPr id="40" name="図 39"/>
-            <p:cNvPicPr>
-              <a:picLocks noChangeAspect="1"/>
-            </p:cNvPicPr>
-            <p:nvPr/>
-          </p:nvPicPr>
-          <p:blipFill>
-            <a:blip r:embed="rId5" cstate="print">
-              <a:extLst>
-                <a:ext uri="{28A0092B-C50C-407E-A947-70E740481C1C}">
-                  <a14:useLocalDpi xmlns:a14="http://schemas.microsoft.com/office/drawing/2010/main" val="0"/>
-                </a:ext>
-              </a:extLst>
-            </a:blip>
-            <a:stretch>
-              <a:fillRect/>
-            </a:stretch>
-          </p:blipFill>
-          <p:spPr>
-            <a:xfrm>
-              <a:off x="6962266" y="2238539"/>
-              <a:ext cx="226305" cy="456725"/>
-            </a:xfrm>
-            <a:prstGeom prst="rect">
-              <a:avLst/>
-            </a:prstGeom>
-          </p:spPr>
-        </p:pic>
-        <p:pic>
-          <p:nvPicPr>
-            <p:cNvPr id="41" name="図 40"/>
-            <p:cNvPicPr>
-              <a:picLocks noChangeAspect="1"/>
-            </p:cNvPicPr>
-            <p:nvPr/>
-          </p:nvPicPr>
-          <p:blipFill>
-            <a:blip r:embed="rId6" cstate="print">
-              <a:extLst>
-                <a:ext uri="{28A0092B-C50C-407E-A947-70E740481C1C}">
-                  <a14:useLocalDpi xmlns:a14="http://schemas.microsoft.com/office/drawing/2010/main" val="0"/>
-                </a:ext>
-              </a:extLst>
-            </a:blip>
-            <a:stretch>
-              <a:fillRect/>
-            </a:stretch>
-          </p:blipFill>
-          <p:spPr>
-            <a:xfrm>
-              <a:off x="6884088" y="3560824"/>
-              <a:ext cx="382661" cy="382661"/>
-            </a:xfrm>
-            <a:prstGeom prst="rect">
-              <a:avLst/>
-            </a:prstGeom>
-          </p:spPr>
-        </p:pic>
-        <p:pic>
-          <p:nvPicPr>
-            <p:cNvPr id="42" name="図 41"/>
-            <p:cNvPicPr>
-              <a:picLocks noChangeAspect="1"/>
-            </p:cNvPicPr>
-            <p:nvPr/>
-          </p:nvPicPr>
-          <p:blipFill>
-            <a:blip r:embed="rId7" cstate="print">
-              <a:extLst>
-                <a:ext uri="{28A0092B-C50C-407E-A947-70E740481C1C}">
-                  <a14:useLocalDpi xmlns:a14="http://schemas.microsoft.com/office/drawing/2010/main" val="0"/>
-                </a:ext>
-              </a:extLst>
-            </a:blip>
-            <a:stretch>
-              <a:fillRect/>
-            </a:stretch>
-          </p:blipFill>
-          <p:spPr>
-            <a:xfrm>
-              <a:off x="6935521" y="1735565"/>
-              <a:ext cx="279795" cy="452610"/>
-            </a:xfrm>
-            <a:prstGeom prst="rect">
-              <a:avLst/>
-            </a:prstGeom>
-          </p:spPr>
-        </p:pic>
-        <p:pic>
-          <p:nvPicPr>
-            <p:cNvPr id="43" name="図 42"/>
-            <p:cNvPicPr>
-              <a:picLocks noChangeAspect="1"/>
-            </p:cNvPicPr>
-            <p:nvPr/>
-          </p:nvPicPr>
-          <p:blipFill>
-            <a:blip r:embed="rId8" cstate="print">
-              <a:extLst>
-                <a:ext uri="{28A0092B-C50C-407E-A947-70E740481C1C}">
-                  <a14:useLocalDpi xmlns:a14="http://schemas.microsoft.com/office/drawing/2010/main" val="0"/>
-                </a:ext>
-              </a:extLst>
-            </a:blip>
-            <a:stretch>
-              <a:fillRect/>
-            </a:stretch>
-          </p:blipFill>
-          <p:spPr>
-            <a:xfrm>
-              <a:off x="6921119" y="3163780"/>
-              <a:ext cx="308598" cy="333286"/>
-            </a:xfrm>
-            <a:prstGeom prst="rect">
-              <a:avLst/>
-            </a:prstGeom>
-          </p:spPr>
-        </p:pic>
-        <p:pic>
-          <p:nvPicPr>
-            <p:cNvPr id="44" name="図 43"/>
-            <p:cNvPicPr>
-              <a:picLocks noChangeAspect="1"/>
-            </p:cNvPicPr>
-            <p:nvPr/>
-          </p:nvPicPr>
-          <p:blipFill>
-            <a:blip r:embed="rId9" cstate="print">
-              <a:extLst>
-                <a:ext uri="{28A0092B-C50C-407E-A947-70E740481C1C}">
-                  <a14:useLocalDpi xmlns:a14="http://schemas.microsoft.com/office/drawing/2010/main" val="0"/>
-                </a:ext>
-              </a:extLst>
-            </a:blip>
-            <a:stretch>
-              <a:fillRect/>
-            </a:stretch>
-          </p:blipFill>
-          <p:spPr>
-            <a:xfrm>
-              <a:off x="6884088" y="3996014"/>
-              <a:ext cx="382661" cy="382661"/>
-            </a:xfrm>
-            <a:prstGeom prst="rect">
-              <a:avLst/>
-            </a:prstGeom>
-          </p:spPr>
-        </p:pic>
-        <p:pic>
-          <p:nvPicPr>
-            <p:cNvPr id="45" name="図 44"/>
-            <p:cNvPicPr>
-              <a:picLocks noChangeAspect="1"/>
-            </p:cNvPicPr>
-            <p:nvPr/>
-          </p:nvPicPr>
-          <p:blipFill>
-            <a:blip r:embed="rId10" cstate="print">
-              <a:extLst>
-                <a:ext uri="{28A0092B-C50C-407E-A947-70E740481C1C}">
-                  <a14:useLocalDpi xmlns:a14="http://schemas.microsoft.com/office/drawing/2010/main" val="0"/>
-                </a:ext>
-              </a:extLst>
-            </a:blip>
-            <a:stretch>
-              <a:fillRect/>
-            </a:stretch>
-          </p:blipFill>
-          <p:spPr>
-            <a:xfrm>
-              <a:off x="6902603" y="5398257"/>
-              <a:ext cx="345630" cy="65834"/>
-            </a:xfrm>
-            <a:prstGeom prst="rect">
-              <a:avLst/>
-            </a:prstGeom>
-          </p:spPr>
-        </p:pic>
-        <p:pic>
-          <p:nvPicPr>
-            <p:cNvPr id="46" name="図 45"/>
-            <p:cNvPicPr>
-              <a:picLocks noChangeAspect="1"/>
-            </p:cNvPicPr>
-            <p:nvPr/>
-          </p:nvPicPr>
-          <p:blipFill>
-            <a:blip r:embed="rId11" cstate="print">
-              <a:extLst>
-                <a:ext uri="{28A0092B-C50C-407E-A947-70E740481C1C}">
-                  <a14:useLocalDpi xmlns:a14="http://schemas.microsoft.com/office/drawing/2010/main" val="0"/>
-                </a:ext>
-              </a:extLst>
-            </a:blip>
-            <a:stretch>
-              <a:fillRect/>
-            </a:stretch>
-          </p:blipFill>
-          <p:spPr>
-            <a:xfrm>
-              <a:off x="7042501" y="4786360"/>
-              <a:ext cx="65834" cy="345628"/>
-            </a:xfrm>
-            <a:prstGeom prst="rect">
-              <a:avLst/>
-            </a:prstGeom>
-          </p:spPr>
-        </p:pic>
-        <p:pic>
-          <p:nvPicPr>
-            <p:cNvPr id="47" name="図 46"/>
-            <p:cNvPicPr>
-              <a:picLocks noChangeAspect="1"/>
-            </p:cNvPicPr>
-            <p:nvPr/>
-          </p:nvPicPr>
-          <p:blipFill>
-            <a:blip r:embed="rId12" cstate="print">
-              <a:extLst>
-                <a:ext uri="{28A0092B-C50C-407E-A947-70E740481C1C}">
-                  <a14:useLocalDpi xmlns:a14="http://schemas.microsoft.com/office/drawing/2010/main" val="0"/>
-                </a:ext>
-              </a:extLst>
-            </a:blip>
-            <a:stretch>
-              <a:fillRect/>
-            </a:stretch>
-          </p:blipFill>
-          <p:spPr>
-            <a:xfrm>
-              <a:off x="7042501" y="4390052"/>
-              <a:ext cx="65834" cy="345628"/>
-            </a:xfrm>
-            <a:prstGeom prst="rect">
-              <a:avLst/>
-            </a:prstGeom>
-          </p:spPr>
-        </p:pic>
-        <p:pic>
-          <p:nvPicPr>
-            <p:cNvPr id="48" name="図 47"/>
-            <p:cNvPicPr>
-              <a:picLocks noChangeAspect="1"/>
-            </p:cNvPicPr>
-            <p:nvPr/>
-          </p:nvPicPr>
-          <p:blipFill>
-            <a:blip r:embed="rId13" cstate="print">
-              <a:extLst>
-                <a:ext uri="{28A0092B-C50C-407E-A947-70E740481C1C}">
-                  <a14:useLocalDpi xmlns:a14="http://schemas.microsoft.com/office/drawing/2010/main" val="0"/>
-                </a:ext>
-              </a:extLst>
-            </a:blip>
-            <a:stretch>
-              <a:fillRect/>
-            </a:stretch>
-          </p:blipFill>
-          <p:spPr>
-            <a:xfrm>
-              <a:off x="6884088" y="2745225"/>
-              <a:ext cx="382661" cy="382661"/>
-            </a:xfrm>
-            <a:prstGeom prst="rect">
-              <a:avLst/>
-            </a:prstGeom>
-          </p:spPr>
-        </p:pic>
       </p:grpSp>
-      <p:sp>
-        <p:nvSpPr>
-          <p:cNvPr id="50" name="角丸四角形 49"/>
-          <p:cNvSpPr/>
-          <p:nvPr/>
-        </p:nvSpPr>
-        <p:spPr>
-          <a:xfrm>
-            <a:off x="2025063" y="4650290"/>
-            <a:ext cx="3989386" cy="2069124"/>
-          </a:xfrm>
-          <a:prstGeom prst="roundRect">
-            <a:avLst/>
-          </a:prstGeom>
-          <a:solidFill>
-            <a:schemeClr val="bg1"/>
-          </a:solidFill>
-          <a:ln>
-            <a:solidFill>
-              <a:srgbClr val="92D050"/>
-            </a:solidFill>
-          </a:ln>
-        </p:spPr>
-        <p:style>
-          <a:lnRef idx="2">
-            <a:schemeClr val="accent1">
-              <a:shade val="50000"/>
-            </a:schemeClr>
-          </a:lnRef>
-          <a:fillRef idx="1">
-            <a:schemeClr val="accent1"/>
-          </a:fillRef>
-          <a:effectRef idx="0">
-            <a:schemeClr val="accent1"/>
-          </a:effectRef>
-          <a:fontRef idx="minor">
-            <a:schemeClr val="lt1"/>
-          </a:fontRef>
-        </p:style>
-        <p:txBody>
-          <a:bodyPr rtlCol="0" anchor="t"/>
-          <a:lstStyle/>
-          <a:p>
-            <a:r>
-              <a:rPr kumimoji="1" lang="ja-JP" altLang="en-US" sz="1400" dirty="0" smtClean="0">
-                <a:solidFill>
-                  <a:schemeClr val="tx1"/>
-                </a:solidFill>
-                <a:latin typeface="HGSｺﾞｼｯｸM" panose="020B0600000000000000" pitchFamily="50" charset="-128"/>
-                <a:ea typeface="HGSｺﾞｼｯｸM" panose="020B0600000000000000" pitchFamily="50" charset="-128"/>
-              </a:rPr>
-              <a:t>マップサイズは</a:t>
-            </a:r>
-            <a:r>
-              <a:rPr kumimoji="1" lang="en-US" altLang="ja-JP" sz="1400" dirty="0" smtClean="0">
-                <a:solidFill>
-                  <a:schemeClr val="tx1"/>
-                </a:solidFill>
-                <a:latin typeface="HGSｺﾞｼｯｸM" panose="020B0600000000000000" pitchFamily="50" charset="-128"/>
-                <a:ea typeface="HGSｺﾞｼｯｸM" panose="020B0600000000000000" pitchFamily="50" charset="-128"/>
-              </a:rPr>
-              <a:t>(10*15)</a:t>
-            </a:r>
-            <a:r>
-              <a:rPr kumimoji="1" lang="ja-JP" altLang="en-US" sz="1400" dirty="0" smtClean="0">
-                <a:solidFill>
-                  <a:schemeClr val="tx1"/>
-                </a:solidFill>
-                <a:latin typeface="HGSｺﾞｼｯｸM" panose="020B0600000000000000" pitchFamily="50" charset="-128"/>
-                <a:ea typeface="HGSｺﾞｼｯｸM" panose="020B0600000000000000" pitchFamily="50" charset="-128"/>
-              </a:rPr>
-              <a:t>です。</a:t>
-            </a:r>
-            <a:endParaRPr kumimoji="1" lang="en-US" altLang="ja-JP" sz="1400" dirty="0" smtClean="0">
-              <a:solidFill>
-                <a:schemeClr val="tx1"/>
-              </a:solidFill>
-              <a:latin typeface="HGSｺﾞｼｯｸM" panose="020B0600000000000000" pitchFamily="50" charset="-128"/>
-              <a:ea typeface="HGSｺﾞｼｯｸM" panose="020B0600000000000000" pitchFamily="50" charset="-128"/>
-            </a:endParaRPr>
-          </a:p>
-          <a:p>
-            <a:endParaRPr kumimoji="1" lang="en-US" altLang="ja-JP" sz="1400" dirty="0" smtClean="0">
-              <a:solidFill>
-                <a:schemeClr val="tx1"/>
-              </a:solidFill>
-              <a:latin typeface="HGSｺﾞｼｯｸM" panose="020B0600000000000000" pitchFamily="50" charset="-128"/>
-              <a:ea typeface="HGSｺﾞｼｯｸM" panose="020B0600000000000000" pitchFamily="50" charset="-128"/>
-            </a:endParaRPr>
-          </a:p>
-          <a:p>
-            <a:endParaRPr kumimoji="1" lang="en-US" altLang="ja-JP" sz="1400" dirty="0" smtClean="0">
-              <a:solidFill>
-                <a:schemeClr val="tx1"/>
-              </a:solidFill>
-              <a:latin typeface="HGSｺﾞｼｯｸM" panose="020B0600000000000000" pitchFamily="50" charset="-128"/>
-              <a:ea typeface="HGSｺﾞｼｯｸM" panose="020B0600000000000000" pitchFamily="50" charset="-128"/>
-            </a:endParaRPr>
-          </a:p>
-          <a:p>
-            <a:r>
-              <a:rPr kumimoji="1" lang="ja-JP" altLang="en-US" sz="1400" dirty="0" smtClean="0">
-                <a:solidFill>
-                  <a:schemeClr val="tx1"/>
-                </a:solidFill>
-                <a:latin typeface="HGSｺﾞｼｯｸM" panose="020B0600000000000000" pitchFamily="50" charset="-128"/>
-                <a:ea typeface="HGSｺﾞｼｯｸM" panose="020B0600000000000000" pitchFamily="50" charset="-128"/>
-              </a:rPr>
-              <a:t>数値はカンマ</a:t>
-            </a:r>
-            <a:r>
-              <a:rPr kumimoji="1" lang="en-US" altLang="ja-JP" sz="1400" dirty="0" smtClean="0">
-                <a:solidFill>
-                  <a:schemeClr val="tx1"/>
-                </a:solidFill>
-                <a:latin typeface="HGSｺﾞｼｯｸM" panose="020B0600000000000000" pitchFamily="50" charset="-128"/>
-                <a:ea typeface="HGSｺﾞｼｯｸM" panose="020B0600000000000000" pitchFamily="50" charset="-128"/>
-              </a:rPr>
-              <a:t>(,)</a:t>
-            </a:r>
-            <a:r>
-              <a:rPr kumimoji="1" lang="ja-JP" altLang="en-US" sz="1400" dirty="0" smtClean="0">
-                <a:solidFill>
-                  <a:schemeClr val="tx1"/>
-                </a:solidFill>
-                <a:latin typeface="HGSｺﾞｼｯｸM" panose="020B0600000000000000" pitchFamily="50" charset="-128"/>
-                <a:ea typeface="HGSｺﾞｼｯｸM" panose="020B0600000000000000" pitchFamily="50" charset="-128"/>
-              </a:rPr>
-              <a:t>区切りで入力してください。</a:t>
-            </a:r>
-            <a:endParaRPr kumimoji="1" lang="en-US" altLang="ja-JP" sz="1400" dirty="0" smtClean="0">
-              <a:solidFill>
-                <a:schemeClr val="tx1"/>
-              </a:solidFill>
-              <a:latin typeface="HGSｺﾞｼｯｸM" panose="020B0600000000000000" pitchFamily="50" charset="-128"/>
-              <a:ea typeface="HGSｺﾞｼｯｸM" panose="020B0600000000000000" pitchFamily="50" charset="-128"/>
-            </a:endParaRPr>
-          </a:p>
-          <a:p>
-            <a:endParaRPr kumimoji="1" lang="en-US" altLang="ja-JP" sz="1400" dirty="0" smtClean="0">
-              <a:solidFill>
-                <a:schemeClr val="tx1"/>
-              </a:solidFill>
-              <a:latin typeface="HGSｺﾞｼｯｸM" panose="020B0600000000000000" pitchFamily="50" charset="-128"/>
-              <a:ea typeface="HGSｺﾞｼｯｸM" panose="020B0600000000000000" pitchFamily="50" charset="-128"/>
-            </a:endParaRPr>
-          </a:p>
-          <a:p>
-            <a:endParaRPr kumimoji="1" lang="en-US" altLang="ja-JP" sz="1400" dirty="0" smtClean="0">
-              <a:solidFill>
-                <a:schemeClr val="tx1"/>
-              </a:solidFill>
-              <a:latin typeface="HGSｺﾞｼｯｸM" panose="020B0600000000000000" pitchFamily="50" charset="-128"/>
-              <a:ea typeface="HGSｺﾞｼｯｸM" panose="020B0600000000000000" pitchFamily="50" charset="-128"/>
-            </a:endParaRPr>
-          </a:p>
-          <a:p>
-            <a:r>
-              <a:rPr lang="ja-JP" altLang="en-US" sz="1400" dirty="0">
-                <a:solidFill>
-                  <a:schemeClr val="tx1"/>
-                </a:solidFill>
-                <a:latin typeface="HGSｺﾞｼｯｸM" panose="020B0600000000000000" pitchFamily="50" charset="-128"/>
-                <a:ea typeface="HGSｺﾞｼｯｸM" panose="020B0600000000000000" pitchFamily="50" charset="-128"/>
-              </a:rPr>
-              <a:t>ステージ</a:t>
-            </a:r>
-            <a:r>
-              <a:rPr lang="ja-JP" altLang="en-US" sz="1400" dirty="0" smtClean="0">
-                <a:solidFill>
-                  <a:schemeClr val="tx1"/>
-                </a:solidFill>
-                <a:latin typeface="HGSｺﾞｼｯｸM" panose="020B0600000000000000" pitchFamily="50" charset="-128"/>
-                <a:ea typeface="HGSｺﾞｼｯｸM" panose="020B0600000000000000" pitchFamily="50" charset="-128"/>
-              </a:rPr>
-              <a:t>を追加する際は、</a:t>
-            </a:r>
-            <a:endParaRPr lang="en-US" altLang="ja-JP" sz="1400" dirty="0" smtClean="0">
-              <a:solidFill>
-                <a:schemeClr val="tx1"/>
-              </a:solidFill>
-              <a:latin typeface="HGSｺﾞｼｯｸM" panose="020B0600000000000000" pitchFamily="50" charset="-128"/>
-              <a:ea typeface="HGSｺﾞｼｯｸM" panose="020B0600000000000000" pitchFamily="50" charset="-128"/>
-            </a:endParaRPr>
-          </a:p>
-          <a:p>
-            <a:r>
-              <a:rPr lang="en-US" altLang="ja-JP" sz="1400" dirty="0" smtClean="0">
-                <a:solidFill>
-                  <a:schemeClr val="tx1"/>
-                </a:solidFill>
-                <a:latin typeface="HGSｺﾞｼｯｸM" panose="020B0600000000000000" pitchFamily="50" charset="-128"/>
-                <a:ea typeface="HGSｺﾞｼｯｸM" panose="020B0600000000000000" pitchFamily="50" charset="-128"/>
-              </a:rPr>
-              <a:t>(stage) + </a:t>
-            </a:r>
-            <a:r>
-              <a:rPr lang="ja-JP" altLang="en-US" sz="1400" dirty="0" smtClean="0">
-                <a:solidFill>
-                  <a:schemeClr val="tx1"/>
-                </a:solidFill>
-                <a:latin typeface="HGSｺﾞｼｯｸM" panose="020B0600000000000000" pitchFamily="50" charset="-128"/>
-                <a:ea typeface="HGSｺﾞｼｯｸM" panose="020B0600000000000000" pitchFamily="50" charset="-128"/>
-              </a:rPr>
-              <a:t>番号 で</a:t>
-            </a:r>
-            <a:r>
-              <a:rPr kumimoji="1" lang="ja-JP" altLang="en-US" sz="1400" dirty="0" smtClean="0">
-                <a:solidFill>
-                  <a:schemeClr val="tx1"/>
-                </a:solidFill>
-                <a:latin typeface="HGSｺﾞｼｯｸM" panose="020B0600000000000000" pitchFamily="50" charset="-128"/>
-                <a:ea typeface="HGSｺﾞｼｯｸM" panose="020B0600000000000000" pitchFamily="50" charset="-128"/>
-              </a:rPr>
-              <a:t>追加</a:t>
-            </a:r>
-            <a:r>
-              <a:rPr kumimoji="1" lang="ja-JP" altLang="en-US" sz="1400" dirty="0">
-                <a:solidFill>
-                  <a:schemeClr val="tx1"/>
-                </a:solidFill>
-                <a:latin typeface="HGSｺﾞｼｯｸM" panose="020B0600000000000000" pitchFamily="50" charset="-128"/>
-                <a:ea typeface="HGSｺﾞｼｯｸM" panose="020B0600000000000000" pitchFamily="50" charset="-128"/>
-              </a:rPr>
-              <a:t>して</a:t>
-            </a:r>
-            <a:r>
-              <a:rPr kumimoji="1" lang="ja-JP" altLang="en-US" sz="1400" dirty="0" smtClean="0">
-                <a:solidFill>
-                  <a:schemeClr val="tx1"/>
-                </a:solidFill>
-                <a:latin typeface="HGSｺﾞｼｯｸM" panose="020B0600000000000000" pitchFamily="50" charset="-128"/>
-                <a:ea typeface="HGSｺﾞｼｯｸM" panose="020B0600000000000000" pitchFamily="50" charset="-128"/>
-              </a:rPr>
-              <a:t>ください。</a:t>
-            </a:r>
-            <a:endParaRPr kumimoji="1" lang="en-US" altLang="ja-JP" sz="1400" dirty="0" smtClean="0">
-              <a:solidFill>
-                <a:schemeClr val="tx1"/>
-              </a:solidFill>
-              <a:latin typeface="HGSｺﾞｼｯｸM" panose="020B0600000000000000" pitchFamily="50" charset="-128"/>
-              <a:ea typeface="HGSｺﾞｼｯｸM" panose="020B0600000000000000" pitchFamily="50" charset="-128"/>
-            </a:endParaRPr>
-          </a:p>
-          <a:p>
-            <a:endParaRPr lang="en-US" altLang="ja-JP" sz="1400" dirty="0">
-              <a:solidFill>
-                <a:schemeClr val="tx1"/>
-              </a:solidFill>
-              <a:latin typeface="HGSｺﾞｼｯｸM" panose="020B0600000000000000" pitchFamily="50" charset="-128"/>
-              <a:ea typeface="HGSｺﾞｼｯｸM" panose="020B0600000000000000" pitchFamily="50" charset="-128"/>
-            </a:endParaRPr>
-          </a:p>
-        </p:txBody>
-      </p:sp>
     </p:spTree>
     <p:extLst>
       <p:ext uri="{BB962C8B-B14F-4D97-AF65-F5344CB8AC3E}">
@@ -10137,4 +10630,265 @@
     </a:ext>
   </a:extLst>
 </a:theme>
+</file>
+
+<file path=ppt/theme/theme3.xml><?xml version="1.0" encoding="utf-8"?>
+<a:theme xmlns:a="http://schemas.openxmlformats.org/drawingml/2006/main" name="Office テーマ">
+  <a:themeElements>
+    <a:clrScheme name="Office">
+      <a:dk1>
+        <a:sysClr val="windowText" lastClr="000000"/>
+      </a:dk1>
+      <a:lt1>
+        <a:sysClr val="window" lastClr="FFFFFF"/>
+      </a:lt1>
+      <a:dk2>
+        <a:srgbClr val="44546A"/>
+      </a:dk2>
+      <a:lt2>
+        <a:srgbClr val="E7E6E6"/>
+      </a:lt2>
+      <a:accent1>
+        <a:srgbClr val="5B9BD5"/>
+      </a:accent1>
+      <a:accent2>
+        <a:srgbClr val="ED7D31"/>
+      </a:accent2>
+      <a:accent3>
+        <a:srgbClr val="A5A5A5"/>
+      </a:accent3>
+      <a:accent4>
+        <a:srgbClr val="FFC000"/>
+      </a:accent4>
+      <a:accent5>
+        <a:srgbClr val="4472C4"/>
+      </a:accent5>
+      <a:accent6>
+        <a:srgbClr val="70AD47"/>
+      </a:accent6>
+      <a:hlink>
+        <a:srgbClr val="0563C1"/>
+      </a:hlink>
+      <a:folHlink>
+        <a:srgbClr val="954F72"/>
+      </a:folHlink>
+    </a:clrScheme>
+    <a:fontScheme name="Office">
+      <a:majorFont>
+        <a:latin typeface="游ゴシック Light" panose="020F0302020204030204"/>
+        <a:ea typeface=""/>
+        <a:cs typeface=""/>
+        <a:font script="Jpan" typeface="游ゴシック Light"/>
+        <a:font script="Hang" typeface="맑은 고딕"/>
+        <a:font script="Hans" typeface="等线 Light"/>
+        <a:font script="Hant" typeface="新細明體"/>
+        <a:font script="Arab" typeface="Times New Roman"/>
+        <a:font script="Hebr" typeface="Times New Roman"/>
+        <a:font script="Thai" typeface="Angsana New"/>
+        <a:font script="Ethi" typeface="Nyala"/>
+        <a:font script="Beng" typeface="Vrinda"/>
+        <a:font script="Gujr" typeface="Shruti"/>
+        <a:font script="Khmr" typeface="MoolBoran"/>
+        <a:font script="Knda" typeface="Tunga"/>
+        <a:font script="Guru" typeface="Raavi"/>
+        <a:font script="Cans" typeface="Euphemia"/>
+        <a:font script="Cher" typeface="Plantagenet Cherokee"/>
+        <a:font script="Yiii" typeface="Microsoft Yi Baiti"/>
+        <a:font script="Tibt" typeface="Microsoft Himalaya"/>
+        <a:font script="Thaa" typeface="MV Boli"/>
+        <a:font script="Deva" typeface="Mangal"/>
+        <a:font script="Telu" typeface="Gautami"/>
+        <a:font script="Taml" typeface="Latha"/>
+        <a:font script="Syrc" typeface="Estrangelo Edessa"/>
+        <a:font script="Orya" typeface="Kalinga"/>
+        <a:font script="Mlym" typeface="Kartika"/>
+        <a:font script="Laoo" typeface="DokChampa"/>
+        <a:font script="Sinh" typeface="Iskoola Pota"/>
+        <a:font script="Mong" typeface="Mongolian Baiti"/>
+        <a:font script="Viet" typeface="Times New Roman"/>
+        <a:font script="Uigh" typeface="Microsoft Uighur"/>
+        <a:font script="Geor" typeface="Sylfaen"/>
+      </a:majorFont>
+      <a:minorFont>
+        <a:latin typeface="游ゴシック" panose="020F0502020204030204"/>
+        <a:ea typeface=""/>
+        <a:cs typeface=""/>
+        <a:font script="Jpan" typeface="游ゴシック"/>
+        <a:font script="Hang" typeface="맑은 고딕"/>
+        <a:font script="Hans" typeface="等线"/>
+        <a:font script="Hant" typeface="新細明體"/>
+        <a:font script="Arab" typeface="Arial"/>
+        <a:font script="Hebr" typeface="Arial"/>
+        <a:font script="Thai" typeface="Cordia New"/>
+        <a:font script="Ethi" typeface="Nyala"/>
+        <a:font script="Beng" typeface="Vrinda"/>
+        <a:font script="Gujr" typeface="Shruti"/>
+        <a:font script="Khmr" typeface="DaunPenh"/>
+        <a:font script="Knda" typeface="Tunga"/>
+        <a:font script="Guru" typeface="Raavi"/>
+        <a:font script="Cans" typeface="Euphemia"/>
+        <a:font script="Cher" typeface="Plantagenet Cherokee"/>
+        <a:font script="Yiii" typeface="Microsoft Yi Baiti"/>
+        <a:font script="Tibt" typeface="Microsoft Himalaya"/>
+        <a:font script="Thaa" typeface="MV Boli"/>
+        <a:font script="Deva" typeface="Mangal"/>
+        <a:font script="Telu" typeface="Gautami"/>
+        <a:font script="Taml" typeface="Latha"/>
+        <a:font script="Syrc" typeface="Estrangelo Edessa"/>
+        <a:font script="Orya" typeface="Kalinga"/>
+        <a:font script="Mlym" typeface="Kartika"/>
+        <a:font script="Laoo" typeface="DokChampa"/>
+        <a:font script="Sinh" typeface="Iskoola Pota"/>
+        <a:font script="Mong" typeface="Mongolian Baiti"/>
+        <a:font script="Viet" typeface="Arial"/>
+        <a:font script="Uigh" typeface="Microsoft Uighur"/>
+        <a:font script="Geor" typeface="Sylfaen"/>
+      </a:minorFont>
+    </a:fontScheme>
+    <a:fmtScheme name="Office">
+      <a:fillStyleLst>
+        <a:solidFill>
+          <a:schemeClr val="phClr"/>
+        </a:solidFill>
+        <a:gradFill rotWithShape="1">
+          <a:gsLst>
+            <a:gs pos="0">
+              <a:schemeClr val="phClr">
+                <a:lumMod val="110000"/>
+                <a:satMod val="105000"/>
+                <a:tint val="67000"/>
+              </a:schemeClr>
+            </a:gs>
+            <a:gs pos="50000">
+              <a:schemeClr val="phClr">
+                <a:lumMod val="105000"/>
+                <a:satMod val="103000"/>
+                <a:tint val="73000"/>
+              </a:schemeClr>
+            </a:gs>
+            <a:gs pos="100000">
+              <a:schemeClr val="phClr">
+                <a:lumMod val="105000"/>
+                <a:satMod val="109000"/>
+                <a:tint val="81000"/>
+              </a:schemeClr>
+            </a:gs>
+          </a:gsLst>
+          <a:lin ang="5400000" scaled="0"/>
+        </a:gradFill>
+        <a:gradFill rotWithShape="1">
+          <a:gsLst>
+            <a:gs pos="0">
+              <a:schemeClr val="phClr">
+                <a:satMod val="103000"/>
+                <a:lumMod val="102000"/>
+                <a:tint val="94000"/>
+              </a:schemeClr>
+            </a:gs>
+            <a:gs pos="50000">
+              <a:schemeClr val="phClr">
+                <a:satMod val="110000"/>
+                <a:lumMod val="100000"/>
+                <a:shade val="100000"/>
+              </a:schemeClr>
+            </a:gs>
+            <a:gs pos="100000">
+              <a:schemeClr val="phClr">
+                <a:lumMod val="99000"/>
+                <a:satMod val="120000"/>
+                <a:shade val="78000"/>
+              </a:schemeClr>
+            </a:gs>
+          </a:gsLst>
+          <a:lin ang="5400000" scaled="0"/>
+        </a:gradFill>
+      </a:fillStyleLst>
+      <a:lnStyleLst>
+        <a:ln w="6350" cap="flat" cmpd="sng" algn="ctr">
+          <a:solidFill>
+            <a:schemeClr val="phClr"/>
+          </a:solidFill>
+          <a:prstDash val="solid"/>
+          <a:miter lim="800000"/>
+        </a:ln>
+        <a:ln w="12700" cap="flat" cmpd="sng" algn="ctr">
+          <a:solidFill>
+            <a:schemeClr val="phClr"/>
+          </a:solidFill>
+          <a:prstDash val="solid"/>
+          <a:miter lim="800000"/>
+        </a:ln>
+        <a:ln w="19050" cap="flat" cmpd="sng" algn="ctr">
+          <a:solidFill>
+            <a:schemeClr val="phClr"/>
+          </a:solidFill>
+          <a:prstDash val="solid"/>
+          <a:miter lim="800000"/>
+        </a:ln>
+      </a:lnStyleLst>
+      <a:effectStyleLst>
+        <a:effectStyle>
+          <a:effectLst/>
+        </a:effectStyle>
+        <a:effectStyle>
+          <a:effectLst/>
+        </a:effectStyle>
+        <a:effectStyle>
+          <a:effectLst>
+            <a:outerShdw blurRad="57150" dist="19050" dir="5400000" algn="ctr" rotWithShape="0">
+              <a:srgbClr val="000000">
+                <a:alpha val="63000"/>
+              </a:srgbClr>
+            </a:outerShdw>
+          </a:effectLst>
+        </a:effectStyle>
+      </a:effectStyleLst>
+      <a:bgFillStyleLst>
+        <a:solidFill>
+          <a:schemeClr val="phClr"/>
+        </a:solidFill>
+        <a:solidFill>
+          <a:schemeClr val="phClr">
+            <a:tint val="95000"/>
+            <a:satMod val="170000"/>
+          </a:schemeClr>
+        </a:solidFill>
+        <a:gradFill rotWithShape="1">
+          <a:gsLst>
+            <a:gs pos="0">
+              <a:schemeClr val="phClr">
+                <a:tint val="93000"/>
+                <a:satMod val="150000"/>
+                <a:shade val="98000"/>
+                <a:lumMod val="102000"/>
+              </a:schemeClr>
+            </a:gs>
+            <a:gs pos="50000">
+              <a:schemeClr val="phClr">
+                <a:tint val="98000"/>
+                <a:satMod val="130000"/>
+                <a:shade val="90000"/>
+                <a:lumMod val="103000"/>
+              </a:schemeClr>
+            </a:gs>
+            <a:gs pos="100000">
+              <a:schemeClr val="phClr">
+                <a:shade val="63000"/>
+                <a:satMod val="120000"/>
+              </a:schemeClr>
+            </a:gs>
+          </a:gsLst>
+          <a:lin ang="5400000" scaled="0"/>
+        </a:gradFill>
+      </a:bgFillStyleLst>
+    </a:fmtScheme>
+  </a:themeElements>
+  <a:objectDefaults/>
+  <a:extraClrSchemeLst/>
+  <a:extLst>
+    <a:ext uri="{05A4C25C-085E-4340-85A3-A5531E510DB2}">
+      <thm15:themeFamily xmlns:thm15="http://schemas.microsoft.com/office/thememl/2012/main" name="Office Theme" id="{62F939B6-93AF-4DB8-9C6B-D6C7DFDC589F}" vid="{4A3C46E8-61CC-4603-A589-7422A47A8E4A}"/>
+    </a:ext>
+  </a:extLst>
+</a:theme>
 </file>
--- a/重力パズル_説明書.pptx
+++ b/重力パズル_説明書.pptx
@@ -4990,40 +4990,6 @@
           </a:ln>
         </p:spPr>
       </p:pic>
-      <p:pic>
-        <p:nvPicPr>
-          <p:cNvPr id="12" name="図 11"/>
-          <p:cNvPicPr>
-            <a:picLocks noChangeAspect="1"/>
-          </p:cNvPicPr>
-          <p:nvPr/>
-        </p:nvPicPr>
-        <p:blipFill rotWithShape="1">
-          <a:blip r:embed="rId3">
-            <a:extLst>
-              <a:ext uri="{28A0092B-C50C-407E-A947-70E740481C1C}">
-                <a14:useLocalDpi xmlns:a14="http://schemas.microsoft.com/office/drawing/2010/main" val="0"/>
-              </a:ext>
-            </a:extLst>
-          </a:blip>
-          <a:srcRect b="39082"/>
-          <a:stretch/>
-        </p:blipFill>
-        <p:spPr>
-          <a:xfrm>
-            <a:off x="3349552" y="1277540"/>
-            <a:ext cx="4553328" cy="4177717"/>
-          </a:xfrm>
-          <a:prstGeom prst="rect">
-            <a:avLst/>
-          </a:prstGeom>
-          <a:ln w="28575">
-            <a:solidFill>
-              <a:srgbClr val="92D050"/>
-            </a:solidFill>
-          </a:ln>
-        </p:spPr>
-      </p:pic>
       <p:sp>
         <p:nvSpPr>
           <p:cNvPr id="13" name="正方形/長方形 12"/>
@@ -5086,7 +5052,7 @@
         </p:nvSpPr>
         <p:spPr>
           <a:xfrm>
-            <a:off x="7979030" y="2014132"/>
+            <a:off x="7902753" y="1679454"/>
             <a:ext cx="1987092" cy="489298"/>
           </a:xfrm>
           <a:prstGeom prst="leftArrow">
@@ -5144,7 +5110,7 @@
         </p:nvSpPr>
         <p:spPr>
           <a:xfrm>
-            <a:off x="7979030" y="3443160"/>
+            <a:off x="7894697" y="3141843"/>
             <a:ext cx="1987092" cy="475759"/>
           </a:xfrm>
           <a:prstGeom prst="leftArrow">
@@ -5202,7 +5168,7 @@
         </p:nvSpPr>
         <p:spPr>
           <a:xfrm>
-            <a:off x="7979030" y="3978902"/>
+            <a:off x="7894697" y="5393662"/>
             <a:ext cx="1987092" cy="467262"/>
           </a:xfrm>
           <a:prstGeom prst="leftArrow">
@@ -5259,8 +5225,8 @@
           <p:nvPr/>
         </p:nvSpPr>
         <p:spPr>
-          <a:xfrm>
-            <a:off x="7979030" y="4583451"/>
+          <a:xfrm flipH="1">
+            <a:off x="1066394" y="5753148"/>
             <a:ext cx="1987092" cy="830295"/>
           </a:xfrm>
           <a:prstGeom prst="leftArrow">
@@ -5337,6 +5303,41 @@
       <p:pic>
         <p:nvPicPr>
           <p:cNvPr id="18" name="図 17"/>
+          <p:cNvPicPr>
+            <a:picLocks noChangeAspect="1"/>
+          </p:cNvPicPr>
+          <p:nvPr/>
+        </p:nvPicPr>
+        <p:blipFill>
+          <a:blip r:embed="rId3" cstate="print">
+            <a:extLst>
+              <a:ext uri="{28A0092B-C50C-407E-A947-70E740481C1C}">
+                <a14:useLocalDpi xmlns:a14="http://schemas.microsoft.com/office/drawing/2010/main" val="0"/>
+              </a:ext>
+            </a:extLst>
+          </a:blip>
+          <a:stretch>
+            <a:fillRect/>
+          </a:stretch>
+        </p:blipFill>
+        <p:spPr>
+          <a:xfrm>
+            <a:off x="10026159" y="1035034"/>
+            <a:ext cx="673026" cy="1009539"/>
+          </a:xfrm>
+          <a:prstGeom prst="rect">
+            <a:avLst/>
+          </a:prstGeom>
+          <a:ln w="12700">
+            <a:solidFill>
+              <a:srgbClr val="92D050"/>
+            </a:solidFill>
+          </a:ln>
+        </p:spPr>
+      </p:pic>
+      <p:pic>
+        <p:nvPicPr>
+          <p:cNvPr id="19" name="図 18"/>
           <p:cNvPicPr>
             <a:picLocks noChangeAspect="1"/>
           </p:cNvPicPr>
@@ -5356,7 +5357,7 @@
         </p:blipFill>
         <p:spPr>
           <a:xfrm>
-            <a:off x="10042272" y="1348993"/>
+            <a:off x="10070372" y="2469218"/>
             <a:ext cx="673026" cy="1009539"/>
           </a:xfrm>
           <a:prstGeom prst="rect">
@@ -5371,14 +5372,14 @@
       </p:pic>
       <p:pic>
         <p:nvPicPr>
-          <p:cNvPr id="19" name="図 18"/>
+          <p:cNvPr id="20" name="図 19"/>
           <p:cNvPicPr>
             <a:picLocks noChangeAspect="1"/>
           </p:cNvPicPr>
           <p:nvPr/>
         </p:nvPicPr>
         <p:blipFill>
-          <a:blip r:embed="rId5" cstate="print">
+          <a:blip r:embed="rId5">
             <a:extLst>
               <a:ext uri="{28A0092B-C50C-407E-A947-70E740481C1C}">
                 <a14:useLocalDpi xmlns:a14="http://schemas.microsoft.com/office/drawing/2010/main" val="0"/>
@@ -5391,22 +5392,17 @@
         </p:blipFill>
         <p:spPr>
           <a:xfrm>
-            <a:off x="10042272" y="2784096"/>
-            <a:ext cx="673026" cy="1009539"/>
+            <a:off x="10051185" y="5429148"/>
+            <a:ext cx="648000" cy="648000"/>
           </a:xfrm>
           <a:prstGeom prst="rect">
             <a:avLst/>
           </a:prstGeom>
-          <a:ln w="12700">
-            <a:solidFill>
-              <a:srgbClr val="92D050"/>
-            </a:solidFill>
-          </a:ln>
         </p:spPr>
       </p:pic>
       <p:pic>
         <p:nvPicPr>
-          <p:cNvPr id="20" name="図 19"/>
+          <p:cNvPr id="21" name="図 20"/>
           <p:cNvPicPr>
             <a:picLocks noChangeAspect="1"/>
           </p:cNvPicPr>
@@ -5426,7 +5422,7 @@
         </p:blipFill>
         <p:spPr>
           <a:xfrm>
-            <a:off x="10051185" y="3903402"/>
+            <a:off x="1572174" y="4498368"/>
             <a:ext cx="648000" cy="648000"/>
           </a:xfrm>
           <a:prstGeom prst="rect">
@@ -5436,7 +5432,7 @@
       </p:pic>
       <p:pic>
         <p:nvPicPr>
-          <p:cNvPr id="21" name="図 20"/>
+          <p:cNvPr id="22" name="図 21"/>
           <p:cNvPicPr>
             <a:picLocks noChangeAspect="1"/>
           </p:cNvPicPr>
@@ -5456,7 +5452,7 @@
         </p:blipFill>
         <p:spPr>
           <a:xfrm>
-            <a:off x="10253822" y="5307752"/>
+            <a:off x="2323920" y="4498368"/>
             <a:ext cx="648000" cy="648000"/>
           </a:xfrm>
           <a:prstGeom prst="rect">
@@ -5466,7 +5462,7 @@
       </p:pic>
       <p:pic>
         <p:nvPicPr>
-          <p:cNvPr id="22" name="図 21"/>
+          <p:cNvPr id="23" name="図 22"/>
           <p:cNvPicPr>
             <a:picLocks noChangeAspect="1"/>
           </p:cNvPicPr>
@@ -5486,7 +5482,7 @@
         </p:blipFill>
         <p:spPr>
           <a:xfrm>
-            <a:off x="11005568" y="5307752"/>
+            <a:off x="820427" y="4498368"/>
             <a:ext cx="648000" cy="648000"/>
           </a:xfrm>
           <a:prstGeom prst="rect">
@@ -5496,7 +5492,7 @@
       </p:pic>
       <p:pic>
         <p:nvPicPr>
-          <p:cNvPr id="23" name="図 22"/>
+          <p:cNvPr id="24" name="図 23"/>
           <p:cNvPicPr>
             <a:picLocks noChangeAspect="1"/>
           </p:cNvPicPr>
@@ -5516,37 +5512,7 @@
         </p:blipFill>
         <p:spPr>
           <a:xfrm>
-            <a:off x="9502075" y="5307752"/>
-            <a:ext cx="648000" cy="648000"/>
-          </a:xfrm>
-          <a:prstGeom prst="rect">
-            <a:avLst/>
-          </a:prstGeom>
-        </p:spPr>
-      </p:pic>
-      <p:pic>
-        <p:nvPicPr>
-          <p:cNvPr id="24" name="図 23"/>
-          <p:cNvPicPr>
-            <a:picLocks noChangeAspect="1"/>
-          </p:cNvPicPr>
-          <p:nvPr/>
-        </p:nvPicPr>
-        <p:blipFill>
-          <a:blip r:embed="rId10">
-            <a:extLst>
-              <a:ext uri="{28A0092B-C50C-407E-A947-70E740481C1C}">
-                <a14:useLocalDpi xmlns:a14="http://schemas.microsoft.com/office/drawing/2010/main" val="0"/>
-              </a:ext>
-            </a:extLst>
-          </a:blip>
-          <a:stretch>
-            <a:fillRect/>
-          </a:stretch>
-        </p:blipFill>
-        <p:spPr>
-          <a:xfrm>
-            <a:off x="8750328" y="5307752"/>
+            <a:off x="68680" y="4498368"/>
             <a:ext cx="648000" cy="648000"/>
           </a:xfrm>
           <a:prstGeom prst="rect">
@@ -5562,7 +5528,7 @@
         </p:nvSpPr>
         <p:spPr>
           <a:xfrm>
-            <a:off x="8750328" y="6043134"/>
+            <a:off x="68680" y="5233750"/>
             <a:ext cx="2903240" cy="464400"/>
           </a:xfrm>
           <a:prstGeom prst="roundRect">
@@ -5668,6 +5634,291 @@
           </a:p>
         </p:txBody>
       </p:sp>
+      <p:pic>
+        <p:nvPicPr>
+          <p:cNvPr id="5" name="図 4"/>
+          <p:cNvPicPr>
+            <a:picLocks noChangeAspect="1"/>
+          </p:cNvPicPr>
+          <p:nvPr/>
+        </p:nvPicPr>
+        <p:blipFill>
+          <a:blip r:embed="rId10"/>
+          <a:stretch>
+            <a:fillRect/>
+          </a:stretch>
+        </p:blipFill>
+        <p:spPr>
+          <a:xfrm>
+            <a:off x="3205912" y="906091"/>
+            <a:ext cx="4544415" cy="5866864"/>
+          </a:xfrm>
+          <a:prstGeom prst="rect">
+            <a:avLst/>
+          </a:prstGeom>
+          <a:ln w="28575">
+            <a:solidFill>
+              <a:srgbClr val="92D050"/>
+            </a:solidFill>
+          </a:ln>
+        </p:spPr>
+      </p:pic>
+      <p:sp>
+        <p:nvSpPr>
+          <p:cNvPr id="26" name="左矢印 25"/>
+          <p:cNvSpPr/>
+          <p:nvPr/>
+        </p:nvSpPr>
+        <p:spPr>
+          <a:xfrm>
+            <a:off x="7894697" y="4123431"/>
+            <a:ext cx="1987092" cy="467262"/>
+          </a:xfrm>
+          <a:prstGeom prst="leftArrow">
+            <a:avLst/>
+          </a:prstGeom>
+          <a:solidFill>
+            <a:srgbClr val="92D050"/>
+          </a:solidFill>
+          <a:ln>
+            <a:noFill/>
+          </a:ln>
+        </p:spPr>
+        <p:style>
+          <a:lnRef idx="2">
+            <a:schemeClr val="accent1">
+              <a:shade val="50000"/>
+            </a:schemeClr>
+          </a:lnRef>
+          <a:fillRef idx="1">
+            <a:schemeClr val="accent1"/>
+          </a:fillRef>
+          <a:effectRef idx="0">
+            <a:schemeClr val="accent1"/>
+          </a:effectRef>
+          <a:fontRef idx="minor">
+            <a:schemeClr val="lt1"/>
+          </a:fontRef>
+        </p:style>
+        <p:txBody>
+          <a:bodyPr rtlCol="0" anchor="ctr"/>
+          <a:lstStyle/>
+          <a:p>
+            <a:pPr algn="ctr"/>
+            <a:r>
+              <a:rPr kumimoji="1" lang="ja-JP" altLang="en-US" sz="1400" dirty="0" smtClean="0">
+                <a:solidFill>
+                  <a:schemeClr val="tx1"/>
+                </a:solidFill>
+              </a:rPr>
+              <a:t>カウントダウン画像</a:t>
+            </a:r>
+            <a:endParaRPr kumimoji="1" lang="ja-JP" altLang="en-US" sz="1400" dirty="0">
+              <a:solidFill>
+                <a:schemeClr val="tx1"/>
+              </a:solidFill>
+            </a:endParaRPr>
+          </a:p>
+        </p:txBody>
+      </p:sp>
+      <p:sp>
+        <p:nvSpPr>
+          <p:cNvPr id="27" name="左矢印 26"/>
+          <p:cNvSpPr/>
+          <p:nvPr/>
+        </p:nvSpPr>
+        <p:spPr>
+          <a:xfrm>
+            <a:off x="7894697" y="4641314"/>
+            <a:ext cx="1987092" cy="467262"/>
+          </a:xfrm>
+          <a:prstGeom prst="leftArrow">
+            <a:avLst/>
+          </a:prstGeom>
+          <a:solidFill>
+            <a:srgbClr val="92D050"/>
+          </a:solidFill>
+          <a:ln>
+            <a:noFill/>
+          </a:ln>
+        </p:spPr>
+        <p:style>
+          <a:lnRef idx="2">
+            <a:schemeClr val="accent1">
+              <a:shade val="50000"/>
+            </a:schemeClr>
+          </a:lnRef>
+          <a:fillRef idx="1">
+            <a:schemeClr val="accent1"/>
+          </a:fillRef>
+          <a:effectRef idx="0">
+            <a:schemeClr val="accent1"/>
+          </a:effectRef>
+          <a:fontRef idx="minor">
+            <a:schemeClr val="lt1"/>
+          </a:fontRef>
+        </p:style>
+        <p:txBody>
+          <a:bodyPr rtlCol="0" anchor="ctr"/>
+          <a:lstStyle/>
+          <a:p>
+            <a:pPr algn="ctr"/>
+            <a:r>
+              <a:rPr kumimoji="1" lang="ja-JP" altLang="en-US" sz="1400" dirty="0" smtClean="0">
+                <a:solidFill>
+                  <a:schemeClr val="tx1"/>
+                </a:solidFill>
+              </a:rPr>
+              <a:t>スタート画像</a:t>
+            </a:r>
+            <a:endParaRPr kumimoji="1" lang="ja-JP" altLang="en-US" sz="1400" dirty="0">
+              <a:solidFill>
+                <a:schemeClr val="tx1"/>
+              </a:solidFill>
+            </a:endParaRPr>
+          </a:p>
+        </p:txBody>
+      </p:sp>
+      <p:pic>
+        <p:nvPicPr>
+          <p:cNvPr id="10" name="図 9"/>
+          <p:cNvPicPr>
+            <a:picLocks noChangeAspect="1"/>
+          </p:cNvPicPr>
+          <p:nvPr/>
+        </p:nvPicPr>
+        <p:blipFill>
+          <a:blip r:embed="rId11" cstate="print">
+            <a:extLst>
+              <a:ext uri="{28A0092B-C50C-407E-A947-70E740481C1C}">
+                <a14:useLocalDpi xmlns:a14="http://schemas.microsoft.com/office/drawing/2010/main" val="0"/>
+              </a:ext>
+            </a:extLst>
+          </a:blip>
+          <a:stretch>
+            <a:fillRect/>
+          </a:stretch>
+        </p:blipFill>
+        <p:spPr>
+          <a:xfrm>
+            <a:off x="11024278" y="3898189"/>
+            <a:ext cx="412764" cy="540000"/>
+          </a:xfrm>
+          <a:prstGeom prst="rect">
+            <a:avLst/>
+          </a:prstGeom>
+          <a:ln w="12700">
+            <a:solidFill>
+              <a:srgbClr val="92D050"/>
+            </a:solidFill>
+          </a:ln>
+        </p:spPr>
+      </p:pic>
+      <p:pic>
+        <p:nvPicPr>
+          <p:cNvPr id="28" name="図 27"/>
+          <p:cNvPicPr>
+            <a:picLocks noChangeAspect="1"/>
+          </p:cNvPicPr>
+          <p:nvPr/>
+        </p:nvPicPr>
+        <p:blipFill>
+          <a:blip r:embed="rId12" cstate="print">
+            <a:extLst>
+              <a:ext uri="{28A0092B-C50C-407E-A947-70E740481C1C}">
+                <a14:useLocalDpi xmlns:a14="http://schemas.microsoft.com/office/drawing/2010/main" val="0"/>
+              </a:ext>
+            </a:extLst>
+          </a:blip>
+          <a:stretch>
+            <a:fillRect/>
+          </a:stretch>
+        </p:blipFill>
+        <p:spPr>
+          <a:xfrm>
+            <a:off x="10026159" y="3898189"/>
+            <a:ext cx="243227" cy="540000"/>
+          </a:xfrm>
+          <a:prstGeom prst="rect">
+            <a:avLst/>
+          </a:prstGeom>
+          <a:ln w="12700">
+            <a:solidFill>
+              <a:srgbClr val="92D050"/>
+            </a:solidFill>
+          </a:ln>
+        </p:spPr>
+      </p:pic>
+      <p:pic>
+        <p:nvPicPr>
+          <p:cNvPr id="29" name="図 28"/>
+          <p:cNvPicPr>
+            <a:picLocks noChangeAspect="1"/>
+          </p:cNvPicPr>
+          <p:nvPr/>
+        </p:nvPicPr>
+        <p:blipFill>
+          <a:blip r:embed="rId13" cstate="print">
+            <a:extLst>
+              <a:ext uri="{28A0092B-C50C-407E-A947-70E740481C1C}">
+                <a14:useLocalDpi xmlns:a14="http://schemas.microsoft.com/office/drawing/2010/main" val="0"/>
+              </a:ext>
+            </a:extLst>
+          </a:blip>
+          <a:stretch>
+            <a:fillRect/>
+          </a:stretch>
+        </p:blipFill>
+        <p:spPr>
+          <a:xfrm>
+            <a:off x="10436516" y="3898189"/>
+            <a:ext cx="420632" cy="540000"/>
+          </a:xfrm>
+          <a:prstGeom prst="rect">
+            <a:avLst/>
+          </a:prstGeom>
+          <a:ln w="12700">
+            <a:solidFill>
+              <a:srgbClr val="92D050"/>
+            </a:solidFill>
+          </a:ln>
+        </p:spPr>
+      </p:pic>
+      <p:pic>
+        <p:nvPicPr>
+          <p:cNvPr id="30" name="図 29"/>
+          <p:cNvPicPr>
+            <a:picLocks noChangeAspect="1"/>
+          </p:cNvPicPr>
+          <p:nvPr/>
+        </p:nvPicPr>
+        <p:blipFill>
+          <a:blip r:embed="rId14" cstate="print">
+            <a:extLst>
+              <a:ext uri="{28A0092B-C50C-407E-A947-70E740481C1C}">
+                <a14:useLocalDpi xmlns:a14="http://schemas.microsoft.com/office/drawing/2010/main" val="0"/>
+              </a:ext>
+            </a:extLst>
+          </a:blip>
+          <a:stretch>
+            <a:fillRect/>
+          </a:stretch>
+        </p:blipFill>
+        <p:spPr>
+          <a:xfrm>
+            <a:off x="10026159" y="4607866"/>
+            <a:ext cx="1046855" cy="491033"/>
+          </a:xfrm>
+          <a:prstGeom prst="rect">
+            <a:avLst/>
+          </a:prstGeom>
+          <a:ln w="12700">
+            <a:solidFill>
+              <a:srgbClr val="92D050"/>
+            </a:solidFill>
+          </a:ln>
+        </p:spPr>
+      </p:pic>
     </p:spTree>
     <p:extLst>
       <p:ext uri="{BB962C8B-B14F-4D97-AF65-F5344CB8AC3E}">
@@ -9085,17 +9336,7 @@
                 <a:latin typeface="HGSｺﾞｼｯｸM" panose="020B0600000000000000" pitchFamily="50" charset="-128"/>
                 <a:ea typeface="HGSｺﾞｼｯｸM" panose="020B0600000000000000" pitchFamily="50" charset="-128"/>
               </a:rPr>
-              <a:t>7  </a:t>
-            </a:r>
-            <a:r>
-              <a:rPr lang="en-US" altLang="ja-JP" sz="2800" dirty="0" smtClean="0">
-                <a:solidFill>
-                  <a:schemeClr val="tx1"/>
-                </a:solidFill>
-                <a:latin typeface="HGSｺﾞｼｯｸM" panose="020B0600000000000000" pitchFamily="50" charset="-128"/>
-                <a:ea typeface="HGSｺﾞｼｯｸM" panose="020B0600000000000000" pitchFamily="50" charset="-128"/>
-              </a:rPr>
-              <a:t>	: </a:t>
+              <a:t>7  	: </a:t>
             </a:r>
             <a:r>
               <a:rPr lang="ja-JP" altLang="en-US" sz="2800" dirty="0" smtClean="0">
@@ -9124,17 +9365,7 @@
                 <a:latin typeface="HGSｺﾞｼｯｸM" panose="020B0600000000000000" pitchFamily="50" charset="-128"/>
                 <a:ea typeface="HGSｺﾞｼｯｸM" panose="020B0600000000000000" pitchFamily="50" charset="-128"/>
               </a:rPr>
-              <a:t>8  </a:t>
-            </a:r>
-            <a:r>
-              <a:rPr kumimoji="1" lang="en-US" altLang="ja-JP" sz="2800" dirty="0" smtClean="0">
-                <a:solidFill>
-                  <a:schemeClr val="tx1"/>
-                </a:solidFill>
-                <a:latin typeface="HGSｺﾞｼｯｸM" panose="020B0600000000000000" pitchFamily="50" charset="-128"/>
-                <a:ea typeface="HGSｺﾞｼｯｸM" panose="020B0600000000000000" pitchFamily="50" charset="-128"/>
-              </a:rPr>
-              <a:t>	: </a:t>
+              <a:t>8  	: </a:t>
             </a:r>
             <a:r>
               <a:rPr kumimoji="1" lang="ja-JP" altLang="en-US" sz="2800" dirty="0" smtClean="0">
@@ -9163,17 +9394,7 @@
                 <a:latin typeface="HGSｺﾞｼｯｸM" panose="020B0600000000000000" pitchFamily="50" charset="-128"/>
                 <a:ea typeface="HGSｺﾞｼｯｸM" panose="020B0600000000000000" pitchFamily="50" charset="-128"/>
               </a:rPr>
-              <a:t>9  </a:t>
-            </a:r>
-            <a:r>
-              <a:rPr lang="en-US" altLang="ja-JP" sz="2800" dirty="0" smtClean="0">
-                <a:solidFill>
-                  <a:schemeClr val="tx1"/>
-                </a:solidFill>
-                <a:latin typeface="HGSｺﾞｼｯｸM" panose="020B0600000000000000" pitchFamily="50" charset="-128"/>
-                <a:ea typeface="HGSｺﾞｼｯｸM" panose="020B0600000000000000" pitchFamily="50" charset="-128"/>
-              </a:rPr>
-              <a:t>	: </a:t>
+              <a:t>9  	: </a:t>
             </a:r>
             <a:r>
               <a:rPr lang="ja-JP" altLang="en-US" sz="2800" dirty="0" smtClean="0">
@@ -9658,17 +9879,7 @@
                 <a:latin typeface="HGSｺﾞｼｯｸM" panose="020B0600000000000000" pitchFamily="50" charset="-128"/>
                 <a:ea typeface="HGSｺﾞｼｯｸM" panose="020B0600000000000000" pitchFamily="50" charset="-128"/>
               </a:rPr>
-              <a:t>です</a:t>
-            </a:r>
-            <a:r>
-              <a:rPr kumimoji="1" lang="ja-JP" altLang="en-US" sz="1400" dirty="0" smtClean="0">
-                <a:solidFill>
-                  <a:schemeClr val="tx1"/>
-                </a:solidFill>
-                <a:latin typeface="HGSｺﾞｼｯｸM" panose="020B0600000000000000" pitchFamily="50" charset="-128"/>
-                <a:ea typeface="HGSｺﾞｼｯｸM" panose="020B0600000000000000" pitchFamily="50" charset="-128"/>
-              </a:rPr>
-              <a:t>。</a:t>
+              <a:t>です。</a:t>
             </a:r>
             <a:endParaRPr kumimoji="1" lang="en-US" altLang="ja-JP" sz="1400" dirty="0" smtClean="0">
               <a:solidFill>
@@ -9716,17 +9927,7 @@
                 <a:latin typeface="HGSｺﾞｼｯｸM" panose="020B0600000000000000" pitchFamily="50" charset="-128"/>
                 <a:ea typeface="HGSｺﾞｼｯｸM" panose="020B0600000000000000" pitchFamily="50" charset="-128"/>
               </a:rPr>
-              <a:t>区切りで入力してください</a:t>
-            </a:r>
-            <a:r>
-              <a:rPr kumimoji="1" lang="ja-JP" altLang="en-US" sz="1400" dirty="0" smtClean="0">
-                <a:solidFill>
-                  <a:schemeClr val="tx1"/>
-                </a:solidFill>
-                <a:latin typeface="HGSｺﾞｼｯｸM" panose="020B0600000000000000" pitchFamily="50" charset="-128"/>
-                <a:ea typeface="HGSｺﾞｼｯｸM" panose="020B0600000000000000" pitchFamily="50" charset="-128"/>
-              </a:rPr>
-              <a:t>。</a:t>
+              <a:t>区切りで入力してください。</a:t>
             </a:r>
             <a:endParaRPr kumimoji="1" lang="en-US" altLang="ja-JP" sz="1400" dirty="0" smtClean="0">
               <a:solidFill>

--- a/重力パズル_説明書.pptx
+++ b/重力パズル_説明書.pptx
@@ -4193,7 +4193,7 @@
         </p:nvSpPr>
         <p:spPr>
           <a:xfrm>
-            <a:off x="7979029" y="1719378"/>
+            <a:off x="7504813" y="1926928"/>
             <a:ext cx="2305873" cy="489298"/>
           </a:xfrm>
           <a:prstGeom prst="leftArrow">
@@ -4251,7 +4251,7 @@
         </p:nvSpPr>
         <p:spPr>
           <a:xfrm>
-            <a:off x="7979030" y="2630178"/>
+            <a:off x="7504814" y="2837728"/>
             <a:ext cx="2305872" cy="475759"/>
           </a:xfrm>
           <a:prstGeom prst="leftArrow">
@@ -4309,7 +4309,7 @@
         </p:nvSpPr>
         <p:spPr>
           <a:xfrm>
-            <a:off x="7979028" y="3406763"/>
+            <a:off x="7504812" y="3614313"/>
             <a:ext cx="2305873" cy="861455"/>
           </a:xfrm>
           <a:prstGeom prst="leftArrow">
@@ -4383,7 +4383,7 @@
         </p:nvSpPr>
         <p:spPr>
           <a:xfrm>
-            <a:off x="7979028" y="4424549"/>
+            <a:off x="7504812" y="4632099"/>
             <a:ext cx="2305871" cy="830295"/>
           </a:xfrm>
           <a:prstGeom prst="leftArrow">
@@ -4471,7 +4471,7 @@
         </p:blipFill>
         <p:spPr>
           <a:xfrm>
-            <a:off x="3349552" y="1263134"/>
+            <a:off x="2875336" y="1470684"/>
             <a:ext cx="4567749" cy="3991710"/>
           </a:xfrm>
           <a:prstGeom prst="rect">
@@ -4506,7 +4506,7 @@
         </p:blipFill>
         <p:spPr>
           <a:xfrm>
-            <a:off x="11171675" y="1159748"/>
+            <a:off x="10697459" y="1367298"/>
             <a:ext cx="647619" cy="1047619"/>
           </a:xfrm>
           <a:prstGeom prst="rect">
@@ -4541,7 +4541,7 @@
         </p:blipFill>
         <p:spPr>
           <a:xfrm>
-            <a:off x="10399707" y="1159748"/>
+            <a:off x="9925491" y="1367298"/>
             <a:ext cx="647619" cy="1047619"/>
           </a:xfrm>
           <a:prstGeom prst="rect">
@@ -4576,7 +4576,7 @@
         </p:blipFill>
         <p:spPr>
           <a:xfrm>
-            <a:off x="11171674" y="2350177"/>
+            <a:off x="10697458" y="2557727"/>
             <a:ext cx="647619" cy="1047619"/>
           </a:xfrm>
           <a:prstGeom prst="rect">
@@ -4611,7 +4611,7 @@
         </p:blipFill>
         <p:spPr>
           <a:xfrm>
-            <a:off x="10399707" y="2350177"/>
+            <a:off x="9925491" y="2557727"/>
             <a:ext cx="647619" cy="1047619"/>
           </a:xfrm>
           <a:prstGeom prst="rect">
@@ -4646,7 +4646,7 @@
         </p:blipFill>
         <p:spPr>
           <a:xfrm>
-            <a:off x="11171674" y="3540606"/>
+            <a:off x="10697458" y="3748156"/>
             <a:ext cx="647619" cy="1047619"/>
           </a:xfrm>
           <a:prstGeom prst="rect">
@@ -4681,7 +4681,7 @@
         </p:blipFill>
         <p:spPr>
           <a:xfrm>
-            <a:off x="10399707" y="3540606"/>
+            <a:off x="9925491" y="3748156"/>
             <a:ext cx="647619" cy="1047619"/>
           </a:xfrm>
           <a:prstGeom prst="rect">
@@ -4716,7 +4716,7 @@
         </p:blipFill>
         <p:spPr>
           <a:xfrm>
-            <a:off x="11190096" y="4731034"/>
+            <a:off x="10715880" y="4938584"/>
             <a:ext cx="647619" cy="1047619"/>
           </a:xfrm>
           <a:prstGeom prst="rect">
@@ -4751,7 +4751,7 @@
         </p:blipFill>
         <p:spPr>
           <a:xfrm>
-            <a:off x="10413688" y="4731034"/>
+            <a:off x="9939472" y="4938584"/>
             <a:ext cx="647619" cy="1047619"/>
           </a:xfrm>
           <a:prstGeom prst="rect">
@@ -7525,8 +7525,8 @@
         </p:nvSpPr>
         <p:spPr>
           <a:xfrm>
-            <a:off x="8093295" y="1268400"/>
-            <a:ext cx="2406542" cy="585327"/>
+            <a:off x="8093294" y="1268400"/>
+            <a:ext cx="3622455" cy="585327"/>
           </a:xfrm>
           <a:prstGeom prst="leftArrow">
             <a:avLst/>
@@ -7584,7 +7584,7 @@
         <p:spPr>
           <a:xfrm>
             <a:off x="8093295" y="3049278"/>
-            <a:ext cx="2860421" cy="532122"/>
+            <a:ext cx="3622455" cy="532122"/>
           </a:xfrm>
           <a:prstGeom prst="leftArrow">
             <a:avLst/>
@@ -7642,7 +7642,7 @@
         <p:spPr>
           <a:xfrm>
             <a:off x="8093295" y="4106553"/>
-            <a:ext cx="1574407" cy="427348"/>
+            <a:ext cx="3622455" cy="427348"/>
           </a:xfrm>
           <a:prstGeom prst="leftArrow">
             <a:avLst/>
@@ -8073,7 +8073,7 @@
           <a:p>
             <a:r>
               <a:rPr lang="en-US" altLang="ja-JP" sz="1800" dirty="0" err="1" smtClean="0"/>
-              <a:t>Game</a:t>
+              <a:t>Music</a:t>
             </a:r>
             <a:r>
               <a:rPr kumimoji="1" lang="en-US" altLang="ja-JP" sz="1800" dirty="0" err="1" smtClean="0"/>
@@ -8213,8 +8213,8 @@
         </p:nvSpPr>
         <p:spPr>
           <a:xfrm>
-            <a:off x="381699" y="2426781"/>
-            <a:ext cx="1468073" cy="313022"/>
+            <a:off x="381699" y="2460209"/>
+            <a:ext cx="1468073" cy="246166"/>
           </a:xfrm>
           <a:prstGeom prst="rect">
             <a:avLst/>
@@ -10291,6 +10291,52 @@
           </p:txBody>
         </p:sp>
       </p:grpSp>
+      <p:sp>
+        <p:nvSpPr>
+          <p:cNvPr id="11" name="下矢印 10"/>
+          <p:cNvSpPr/>
+          <p:nvPr/>
+        </p:nvSpPr>
+        <p:spPr>
+          <a:xfrm rot="18919962">
+            <a:off x="1805468" y="2462474"/>
+            <a:ext cx="462743" cy="451795"/>
+          </a:xfrm>
+          <a:prstGeom prst="downArrow">
+            <a:avLst/>
+          </a:prstGeom>
+          <a:solidFill>
+            <a:srgbClr val="00B050"/>
+          </a:solidFill>
+          <a:ln>
+            <a:noFill/>
+          </a:ln>
+        </p:spPr>
+        <p:style>
+          <a:lnRef idx="2">
+            <a:schemeClr val="accent1">
+              <a:shade val="50000"/>
+            </a:schemeClr>
+          </a:lnRef>
+          <a:fillRef idx="1">
+            <a:schemeClr val="accent1"/>
+          </a:fillRef>
+          <a:effectRef idx="0">
+            <a:schemeClr val="accent1"/>
+          </a:effectRef>
+          <a:fontRef idx="minor">
+            <a:schemeClr val="lt1"/>
+          </a:fontRef>
+        </p:style>
+        <p:txBody>
+          <a:bodyPr rtlCol="0" anchor="ctr"/>
+          <a:lstStyle/>
+          <a:p>
+            <a:pPr algn="ctr"/>
+            <a:endParaRPr kumimoji="1" lang="ja-JP" altLang="en-US"/>
+          </a:p>
+        </p:txBody>
+      </p:sp>
     </p:spTree>
     <p:extLst>
       <p:ext uri="{BB962C8B-B14F-4D97-AF65-F5344CB8AC3E}">
